--- a/capstone.pptx
+++ b/capstone.pptx
@@ -11,16 +11,26 @@
     <p:sldId id="259" r:id="rId5"/>
     <p:sldId id="260" r:id="rId6"/>
     <p:sldId id="261" r:id="rId7"/>
-    <p:sldId id="262" r:id="rId8"/>
-    <p:sldId id="263" r:id="rId9"/>
-    <p:sldId id="271" r:id="rId10"/>
-    <p:sldId id="269" r:id="rId11"/>
-    <p:sldId id="264" r:id="rId12"/>
-    <p:sldId id="265" r:id="rId13"/>
-    <p:sldId id="266" r:id="rId14"/>
-    <p:sldId id="267" r:id="rId15"/>
-    <p:sldId id="268" r:id="rId16"/>
-    <p:sldId id="270" r:id="rId17"/>
+    <p:sldId id="271" r:id="rId8"/>
+    <p:sldId id="262" r:id="rId9"/>
+    <p:sldId id="263" r:id="rId10"/>
+    <p:sldId id="272" r:id="rId11"/>
+    <p:sldId id="277" r:id="rId12"/>
+    <p:sldId id="269" r:id="rId13"/>
+    <p:sldId id="280" r:id="rId14"/>
+    <p:sldId id="264" r:id="rId15"/>
+    <p:sldId id="273" r:id="rId16"/>
+    <p:sldId id="276" r:id="rId17"/>
+    <p:sldId id="274" r:id="rId18"/>
+    <p:sldId id="275" r:id="rId19"/>
+    <p:sldId id="278" r:id="rId20"/>
+    <p:sldId id="267" r:id="rId21"/>
+    <p:sldId id="265" r:id="rId22"/>
+    <p:sldId id="266" r:id="rId23"/>
+    <p:sldId id="279" r:id="rId24"/>
+    <p:sldId id="281" r:id="rId25"/>
+    <p:sldId id="268" r:id="rId26"/>
+    <p:sldId id="270" r:id="rId27"/>
   </p:sldIdLst>
   <p:sldSz cx="9144000" cy="6858000" type="screen4x3"/>
   <p:notesSz cx="6858000" cy="9144000"/>
@@ -9539,7 +9549,12 @@
             <p:ph type="ctrTitle"/>
           </p:nvPr>
         </p:nvSpPr>
-        <p:spPr/>
+        <p:spPr>
+          <a:xfrm>
+            <a:off x="685800" y="2311400"/>
+            <a:ext cx="7772400" cy="1470025"/>
+          </a:xfrm>
+        </p:spPr>
         <p:txBody>
           <a:bodyPr/>
           <a:lstStyle/>
@@ -9636,6 +9651,257 @@
 </file>
 
 <file path=ppt/slides/slide10.xml><?xml version="1.0" encoding="utf-8"?>
+<p:sld xmlns:a="http://schemas.openxmlformats.org/drawingml/2006/main" xmlns:r="http://schemas.openxmlformats.org/officeDocument/2006/relationships" xmlns:p="http://schemas.openxmlformats.org/presentationml/2006/main">
+  <p:cSld>
+    <p:spTree>
+      <p:nvGrpSpPr>
+        <p:cNvPr id="1" name=""/>
+        <p:cNvGrpSpPr/>
+        <p:nvPr/>
+      </p:nvGrpSpPr>
+      <p:grpSpPr>
+        <a:xfrm>
+          <a:off x="0" y="0"/>
+          <a:ext cx="0" cy="0"/>
+          <a:chOff x="0" y="0"/>
+          <a:chExt cx="0" cy="0"/>
+        </a:xfrm>
+      </p:grpSpPr>
+      <p:sp>
+        <p:nvSpPr>
+          <p:cNvPr id="2" name="Title 1">
+            <a:extLst>
+              <a:ext uri="{FF2B5EF4-FFF2-40B4-BE49-F238E27FC236}">
+                <a16:creationId xmlns:a16="http://schemas.microsoft.com/office/drawing/2014/main" id="{AB10D71B-5923-4C69-9803-9CD4D88EBF9B}"/>
+              </a:ext>
+            </a:extLst>
+          </p:cNvPr>
+          <p:cNvSpPr>
+            <a:spLocks noGrp="1"/>
+          </p:cNvSpPr>
+          <p:nvPr>
+            <p:ph type="title"/>
+          </p:nvPr>
+        </p:nvSpPr>
+        <p:spPr/>
+        <p:txBody>
+          <a:bodyPr/>
+          <a:lstStyle/>
+          <a:p>
+            <a:r>
+              <a:rPr lang="en-US" dirty="0">
+                <a:latin typeface="Tahoma" panose="020B0604030504040204" pitchFamily="34" charset="0"/>
+                <a:ea typeface="Tahoma" panose="020B0604030504040204" pitchFamily="34" charset="0"/>
+                <a:cs typeface="Tahoma" panose="020B0604030504040204" pitchFamily="34" charset="0"/>
+              </a:rPr>
+              <a:t>Subsystem 0</a:t>
+            </a:r>
+          </a:p>
+        </p:txBody>
+      </p:sp>
+      <p:sp>
+        <p:nvSpPr>
+          <p:cNvPr id="3" name="Content Placeholder 2">
+            <a:extLst>
+              <a:ext uri="{FF2B5EF4-FFF2-40B4-BE49-F238E27FC236}">
+                <a16:creationId xmlns:a16="http://schemas.microsoft.com/office/drawing/2014/main" id="{9E1E32CE-FFC1-400C-9042-060B60FE1C49}"/>
+              </a:ext>
+            </a:extLst>
+          </p:cNvPr>
+          <p:cNvSpPr>
+            <a:spLocks noGrp="1"/>
+          </p:cNvSpPr>
+          <p:nvPr>
+            <p:ph idx="1"/>
+          </p:nvPr>
+        </p:nvSpPr>
+        <p:spPr>
+          <a:xfrm>
+            <a:off x="457200" y="1295400"/>
+            <a:ext cx="8229600" cy="4525963"/>
+          </a:xfrm>
+        </p:spPr>
+        <p:txBody>
+          <a:bodyPr/>
+          <a:lstStyle/>
+          <a:p>
+            <a:r>
+              <a:rPr lang="en-US" dirty="0">
+                <a:latin typeface="Tahoma" panose="020B0604030504040204" pitchFamily="34" charset="0"/>
+                <a:ea typeface="Tahoma" panose="020B0604030504040204" pitchFamily="34" charset="0"/>
+                <a:cs typeface="Tahoma" panose="020B0604030504040204" pitchFamily="34" charset="0"/>
+              </a:rPr>
+              <a:t>Front End Configuration</a:t>
+            </a:r>
+          </a:p>
+        </p:txBody>
+      </p:sp>
+      <p:pic>
+        <p:nvPicPr>
+          <p:cNvPr id="5" name="Picture 4">
+            <a:extLst>
+              <a:ext uri="{FF2B5EF4-FFF2-40B4-BE49-F238E27FC236}">
+                <a16:creationId xmlns:a16="http://schemas.microsoft.com/office/drawing/2014/main" id="{49878B14-00D5-4964-A90A-77650F49D313}"/>
+              </a:ext>
+            </a:extLst>
+          </p:cNvPr>
+          <p:cNvPicPr>
+            <a:picLocks noChangeAspect="1"/>
+          </p:cNvPicPr>
+          <p:nvPr/>
+        </p:nvPicPr>
+        <p:blipFill>
+          <a:blip r:embed="rId2"/>
+          <a:stretch>
+            <a:fillRect/>
+          </a:stretch>
+        </p:blipFill>
+        <p:spPr>
+          <a:xfrm>
+            <a:off x="0" y="3213549"/>
+            <a:ext cx="1467450" cy="1251916"/>
+          </a:xfrm>
+          <a:prstGeom prst="rect">
+            <a:avLst/>
+          </a:prstGeom>
+        </p:spPr>
+      </p:pic>
+      <p:pic>
+        <p:nvPicPr>
+          <p:cNvPr id="6" name="Picture 5">
+            <a:extLst>
+              <a:ext uri="{FF2B5EF4-FFF2-40B4-BE49-F238E27FC236}">
+                <a16:creationId xmlns:a16="http://schemas.microsoft.com/office/drawing/2014/main" id="{A3D5C1FE-1690-44FD-AF9D-598F9FEDBA66}"/>
+              </a:ext>
+            </a:extLst>
+          </p:cNvPr>
+          <p:cNvPicPr>
+            <a:picLocks noChangeAspect="1"/>
+          </p:cNvPicPr>
+          <p:nvPr/>
+        </p:nvPicPr>
+        <p:blipFill>
+          <a:blip r:embed="rId3"/>
+          <a:stretch>
+            <a:fillRect/>
+          </a:stretch>
+        </p:blipFill>
+        <p:spPr>
+          <a:xfrm>
+            <a:off x="6870700" y="3205076"/>
+            <a:ext cx="1729988" cy="1316210"/>
+          </a:xfrm>
+          <a:prstGeom prst="rect">
+            <a:avLst/>
+          </a:prstGeom>
+        </p:spPr>
+      </p:pic>
+      <p:pic>
+        <p:nvPicPr>
+          <p:cNvPr id="7" name="Picture 6">
+            <a:extLst>
+              <a:ext uri="{FF2B5EF4-FFF2-40B4-BE49-F238E27FC236}">
+                <a16:creationId xmlns:a16="http://schemas.microsoft.com/office/drawing/2014/main" id="{A74965E6-5B2D-45AE-A752-96E1A301DAE0}"/>
+              </a:ext>
+            </a:extLst>
+          </p:cNvPr>
+          <p:cNvPicPr>
+            <a:picLocks noChangeAspect="1"/>
+          </p:cNvPicPr>
+          <p:nvPr/>
+        </p:nvPicPr>
+        <p:blipFill>
+          <a:blip r:embed="rId4"/>
+          <a:stretch>
+            <a:fillRect/>
+          </a:stretch>
+        </p:blipFill>
+        <p:spPr>
+          <a:xfrm>
+            <a:off x="1429350" y="2057400"/>
+            <a:ext cx="5334000" cy="3882758"/>
+          </a:xfrm>
+          <a:prstGeom prst="rect">
+            <a:avLst/>
+          </a:prstGeom>
+        </p:spPr>
+      </p:pic>
+    </p:spTree>
+    <p:extLst>
+      <p:ext uri="{BB962C8B-B14F-4D97-AF65-F5344CB8AC3E}">
+        <p14:creationId xmlns:p14="http://schemas.microsoft.com/office/powerpoint/2010/main" val="4221454239"/>
+      </p:ext>
+    </p:extLst>
+  </p:cSld>
+  <p:clrMapOvr>
+    <a:masterClrMapping/>
+  </p:clrMapOvr>
+</p:sld>
+</file>
+
+<file path=ppt/slides/slide11.xml><?xml version="1.0" encoding="utf-8"?>
+<p:sld xmlns:a="http://schemas.openxmlformats.org/drawingml/2006/main" xmlns:r="http://schemas.openxmlformats.org/officeDocument/2006/relationships" xmlns:p="http://schemas.openxmlformats.org/presentationml/2006/main">
+  <p:cSld>
+    <p:spTree>
+      <p:nvGrpSpPr>
+        <p:cNvPr id="1" name=""/>
+        <p:cNvGrpSpPr/>
+        <p:nvPr/>
+      </p:nvGrpSpPr>
+      <p:grpSpPr>
+        <a:xfrm>
+          <a:off x="0" y="0"/>
+          <a:ext cx="0" cy="0"/>
+          <a:chOff x="0" y="0"/>
+          <a:chExt cx="0" cy="0"/>
+        </a:xfrm>
+      </p:grpSpPr>
+      <p:pic>
+        <p:nvPicPr>
+          <p:cNvPr id="4" name="Content Placeholder 3">
+            <a:extLst>
+              <a:ext uri="{FF2B5EF4-FFF2-40B4-BE49-F238E27FC236}">
+                <a16:creationId xmlns:a16="http://schemas.microsoft.com/office/drawing/2014/main" id="{3C415F2B-DAD8-4DB5-AA0E-7F034A14E94F}"/>
+              </a:ext>
+            </a:extLst>
+          </p:cNvPr>
+          <p:cNvPicPr>
+            <a:picLocks noGrp="1" noChangeAspect="1"/>
+          </p:cNvPicPr>
+          <p:nvPr>
+            <p:ph idx="1"/>
+          </p:nvPr>
+        </p:nvPicPr>
+        <p:blipFill>
+          <a:blip r:embed="rId2"/>
+          <a:stretch>
+            <a:fillRect/>
+          </a:stretch>
+        </p:blipFill>
+        <p:spPr>
+          <a:xfrm>
+            <a:off x="838200" y="685800"/>
+            <a:ext cx="7643182" cy="4525963"/>
+          </a:xfrm>
+          <a:prstGeom prst="rect">
+            <a:avLst/>
+          </a:prstGeom>
+        </p:spPr>
+      </p:pic>
+    </p:spTree>
+    <p:extLst>
+      <p:ext uri="{BB962C8B-B14F-4D97-AF65-F5344CB8AC3E}">
+        <p14:creationId xmlns:p14="http://schemas.microsoft.com/office/powerpoint/2010/main" val="2704593063"/>
+      </p:ext>
+    </p:extLst>
+  </p:cSld>
+  <p:clrMapOvr>
+    <a:masterClrMapping/>
+  </p:clrMapOvr>
+</p:sld>
+</file>
+
+<file path=ppt/slides/slide12.xml><?xml version="1.0" encoding="utf-8"?>
 <p:sld xmlns:a="http://schemas.openxmlformats.org/drawingml/2006/main" xmlns:r="http://schemas.openxmlformats.org/officeDocument/2006/relationships" xmlns:p="http://schemas.openxmlformats.org/presentationml/2006/main">
   <p:cSld>
     <p:spTree>
@@ -9843,7 +10109,90 @@
 </p:sld>
 </file>
 
-<file path=ppt/slides/slide11.xml><?xml version="1.0" encoding="utf-8"?>
+<file path=ppt/slides/slide13.xml><?xml version="1.0" encoding="utf-8"?>
+<p:sld xmlns:a="http://schemas.openxmlformats.org/drawingml/2006/main" xmlns:r="http://schemas.openxmlformats.org/officeDocument/2006/relationships" xmlns:p="http://schemas.openxmlformats.org/presentationml/2006/main">
+  <p:cSld>
+    <p:spTree>
+      <p:nvGrpSpPr>
+        <p:cNvPr id="1" name=""/>
+        <p:cNvGrpSpPr/>
+        <p:nvPr/>
+      </p:nvGrpSpPr>
+      <p:grpSpPr>
+        <a:xfrm>
+          <a:off x="0" y="0"/>
+          <a:ext cx="0" cy="0"/>
+          <a:chOff x="0" y="0"/>
+          <a:chExt cx="0" cy="0"/>
+        </a:xfrm>
+      </p:grpSpPr>
+      <p:sp>
+        <p:nvSpPr>
+          <p:cNvPr id="2" name="Title 1">
+            <a:extLst>
+              <a:ext uri="{FF2B5EF4-FFF2-40B4-BE49-F238E27FC236}">
+                <a16:creationId xmlns:a16="http://schemas.microsoft.com/office/drawing/2014/main" id="{D1341F62-5D89-42EE-9528-637CD725C355}"/>
+              </a:ext>
+            </a:extLst>
+          </p:cNvPr>
+          <p:cNvSpPr>
+            <a:spLocks noGrp="1"/>
+          </p:cNvSpPr>
+          <p:nvPr>
+            <p:ph type="title"/>
+          </p:nvPr>
+        </p:nvSpPr>
+        <p:spPr/>
+        <p:txBody>
+          <a:bodyPr/>
+          <a:lstStyle/>
+          <a:p>
+            <a:r>
+              <a:rPr lang="en-US" dirty="0"/>
+              <a:t>Complete System</a:t>
+            </a:r>
+          </a:p>
+        </p:txBody>
+      </p:sp>
+      <p:sp>
+        <p:nvSpPr>
+          <p:cNvPr id="3" name="Content Placeholder 2">
+            <a:extLst>
+              <a:ext uri="{FF2B5EF4-FFF2-40B4-BE49-F238E27FC236}">
+                <a16:creationId xmlns:a16="http://schemas.microsoft.com/office/drawing/2014/main" id="{A8BD9123-9B26-4B07-811B-0CD5AC8F802E}"/>
+              </a:ext>
+            </a:extLst>
+          </p:cNvPr>
+          <p:cNvSpPr>
+            <a:spLocks noGrp="1"/>
+          </p:cNvSpPr>
+          <p:nvPr>
+            <p:ph idx="1"/>
+          </p:nvPr>
+        </p:nvSpPr>
+        <p:spPr/>
+        <p:txBody>
+          <a:bodyPr/>
+          <a:lstStyle/>
+          <a:p>
+            <a:endParaRPr lang="en-US" dirty="0"/>
+          </a:p>
+        </p:txBody>
+      </p:sp>
+    </p:spTree>
+    <p:extLst>
+      <p:ext uri="{BB962C8B-B14F-4D97-AF65-F5344CB8AC3E}">
+        <p14:creationId xmlns:p14="http://schemas.microsoft.com/office/powerpoint/2010/main" val="2327007479"/>
+      </p:ext>
+    </p:extLst>
+  </p:cSld>
+  <p:clrMapOvr>
+    <a:masterClrMapping/>
+  </p:clrMapOvr>
+</p:sld>
+</file>
+
+<file path=ppt/slides/slide14.xml><?xml version="1.0" encoding="utf-8"?>
 <p:sld xmlns:a="http://schemas.openxmlformats.org/drawingml/2006/main" xmlns:r="http://schemas.openxmlformats.org/officeDocument/2006/relationships" xmlns:p="http://schemas.openxmlformats.org/presentationml/2006/main">
   <p:cSld>
     <p:spTree>
@@ -9926,10 +10275,10 @@
       </p:sp>
       <p:pic>
         <p:nvPicPr>
-          <p:cNvPr id="6" name="Picture 5">
+          <p:cNvPr id="11" name="Picture 10">
             <a:extLst>
               <a:ext uri="{FF2B5EF4-FFF2-40B4-BE49-F238E27FC236}">
-                <a16:creationId xmlns:a16="http://schemas.microsoft.com/office/drawing/2014/main" id="{57335F47-E428-4369-AB22-0D03BF359C22}"/>
+                <a16:creationId xmlns:a16="http://schemas.microsoft.com/office/drawing/2014/main" id="{9FC68F07-1FCC-4EDA-A6DA-CB169C98751E}"/>
               </a:ext>
             </a:extLst>
           </p:cNvPr>
@@ -9946,8 +10295,8 @@
         </p:blipFill>
         <p:spPr>
           <a:xfrm>
-            <a:off x="1562100" y="2438400"/>
-            <a:ext cx="6019800" cy="3246995"/>
+            <a:off x="1676400" y="2585976"/>
+            <a:ext cx="5624513" cy="2671824"/>
           </a:xfrm>
           <a:prstGeom prst="rect">
             <a:avLst/>
@@ -9967,7 +10316,709 @@
 </p:sld>
 </file>
 
-<file path=ppt/slides/slide12.xml><?xml version="1.0" encoding="utf-8"?>
+<file path=ppt/slides/slide15.xml><?xml version="1.0" encoding="utf-8"?>
+<p:sld xmlns:a="http://schemas.openxmlformats.org/drawingml/2006/main" xmlns:r="http://schemas.openxmlformats.org/officeDocument/2006/relationships" xmlns:p="http://schemas.openxmlformats.org/presentationml/2006/main">
+  <p:cSld>
+    <p:spTree>
+      <p:nvGrpSpPr>
+        <p:cNvPr id="1" name=""/>
+        <p:cNvGrpSpPr/>
+        <p:nvPr/>
+      </p:nvGrpSpPr>
+      <p:grpSpPr>
+        <a:xfrm>
+          <a:off x="0" y="0"/>
+          <a:ext cx="0" cy="0"/>
+          <a:chOff x="0" y="0"/>
+          <a:chExt cx="0" cy="0"/>
+        </a:xfrm>
+      </p:grpSpPr>
+      <p:pic>
+        <p:nvPicPr>
+          <p:cNvPr id="7" name="Picture 6">
+            <a:extLst>
+              <a:ext uri="{FF2B5EF4-FFF2-40B4-BE49-F238E27FC236}">
+                <a16:creationId xmlns:a16="http://schemas.microsoft.com/office/drawing/2014/main" id="{829B789A-2659-4613-9E86-5FA4970876C5}"/>
+              </a:ext>
+            </a:extLst>
+          </p:cNvPr>
+          <p:cNvPicPr>
+            <a:picLocks noChangeAspect="1"/>
+          </p:cNvPicPr>
+          <p:nvPr/>
+        </p:nvPicPr>
+        <p:blipFill>
+          <a:blip r:embed="rId2"/>
+          <a:stretch>
+            <a:fillRect/>
+          </a:stretch>
+        </p:blipFill>
+        <p:spPr>
+          <a:xfrm>
+            <a:off x="2697048" y="0"/>
+            <a:ext cx="4226802" cy="2787650"/>
+          </a:xfrm>
+          <a:prstGeom prst="rect">
+            <a:avLst/>
+          </a:prstGeom>
+        </p:spPr>
+      </p:pic>
+      <p:pic>
+        <p:nvPicPr>
+          <p:cNvPr id="8" name="Picture 7">
+            <a:extLst>
+              <a:ext uri="{FF2B5EF4-FFF2-40B4-BE49-F238E27FC236}">
+                <a16:creationId xmlns:a16="http://schemas.microsoft.com/office/drawing/2014/main" id="{96AB63EF-761A-4C3C-97A7-A73864701B0A}"/>
+              </a:ext>
+            </a:extLst>
+          </p:cNvPr>
+          <p:cNvPicPr>
+            <a:picLocks noChangeAspect="1"/>
+          </p:cNvPicPr>
+          <p:nvPr/>
+        </p:nvPicPr>
+        <p:blipFill>
+          <a:blip r:embed="rId3"/>
+          <a:stretch>
+            <a:fillRect/>
+          </a:stretch>
+        </p:blipFill>
+        <p:spPr>
+          <a:xfrm>
+            <a:off x="2438400" y="2895600"/>
+            <a:ext cx="4744099" cy="2813050"/>
+          </a:xfrm>
+          <a:prstGeom prst="rect">
+            <a:avLst/>
+          </a:prstGeom>
+        </p:spPr>
+      </p:pic>
+    </p:spTree>
+    <p:extLst>
+      <p:ext uri="{BB962C8B-B14F-4D97-AF65-F5344CB8AC3E}">
+        <p14:creationId xmlns:p14="http://schemas.microsoft.com/office/powerpoint/2010/main" val="2576545988"/>
+      </p:ext>
+    </p:extLst>
+  </p:cSld>
+  <p:clrMapOvr>
+    <a:masterClrMapping/>
+  </p:clrMapOvr>
+</p:sld>
+</file>
+
+<file path=ppt/slides/slide16.xml><?xml version="1.0" encoding="utf-8"?>
+<p:sld xmlns:a="http://schemas.openxmlformats.org/drawingml/2006/main" xmlns:r="http://schemas.openxmlformats.org/officeDocument/2006/relationships" xmlns:p="http://schemas.openxmlformats.org/presentationml/2006/main">
+  <p:cSld>
+    <p:spTree>
+      <p:nvGrpSpPr>
+        <p:cNvPr id="1" name=""/>
+        <p:cNvGrpSpPr/>
+        <p:nvPr/>
+      </p:nvGrpSpPr>
+      <p:grpSpPr>
+        <a:xfrm>
+          <a:off x="0" y="0"/>
+          <a:ext cx="0" cy="0"/>
+          <a:chOff x="0" y="0"/>
+          <a:chExt cx="0" cy="0"/>
+        </a:xfrm>
+      </p:grpSpPr>
+      <p:pic>
+        <p:nvPicPr>
+          <p:cNvPr id="4" name="Picture 3">
+            <a:extLst>
+              <a:ext uri="{FF2B5EF4-FFF2-40B4-BE49-F238E27FC236}">
+                <a16:creationId xmlns:a16="http://schemas.microsoft.com/office/drawing/2014/main" id="{C26AA35E-3EC9-4740-887D-21CBFC5873A3}"/>
+              </a:ext>
+            </a:extLst>
+          </p:cNvPr>
+          <p:cNvPicPr>
+            <a:picLocks noChangeAspect="1"/>
+          </p:cNvPicPr>
+          <p:nvPr/>
+        </p:nvPicPr>
+        <p:blipFill>
+          <a:blip r:embed="rId2"/>
+          <a:stretch>
+            <a:fillRect/>
+          </a:stretch>
+        </p:blipFill>
+        <p:spPr>
+          <a:xfrm>
+            <a:off x="1123950" y="152400"/>
+            <a:ext cx="6896100" cy="5726836"/>
+          </a:xfrm>
+          <a:prstGeom prst="rect">
+            <a:avLst/>
+          </a:prstGeom>
+        </p:spPr>
+      </p:pic>
+    </p:spTree>
+    <p:extLst>
+      <p:ext uri="{BB962C8B-B14F-4D97-AF65-F5344CB8AC3E}">
+        <p14:creationId xmlns:p14="http://schemas.microsoft.com/office/powerpoint/2010/main" val="281732789"/>
+      </p:ext>
+    </p:extLst>
+  </p:cSld>
+  <p:clrMapOvr>
+    <a:masterClrMapping/>
+  </p:clrMapOvr>
+</p:sld>
+</file>
+
+<file path=ppt/slides/slide17.xml><?xml version="1.0" encoding="utf-8"?>
+<p:sld xmlns:a="http://schemas.openxmlformats.org/drawingml/2006/main" xmlns:r="http://schemas.openxmlformats.org/officeDocument/2006/relationships" xmlns:p="http://schemas.openxmlformats.org/presentationml/2006/main">
+  <p:cSld>
+    <p:spTree>
+      <p:nvGrpSpPr>
+        <p:cNvPr id="1" name=""/>
+        <p:cNvGrpSpPr/>
+        <p:nvPr/>
+      </p:nvGrpSpPr>
+      <p:grpSpPr>
+        <a:xfrm>
+          <a:off x="0" y="0"/>
+          <a:ext cx="0" cy="0"/>
+          <a:chOff x="0" y="0"/>
+          <a:chExt cx="0" cy="0"/>
+        </a:xfrm>
+      </p:grpSpPr>
+      <p:pic>
+        <p:nvPicPr>
+          <p:cNvPr id="4" name="Picture 3">
+            <a:extLst>
+              <a:ext uri="{FF2B5EF4-FFF2-40B4-BE49-F238E27FC236}">
+                <a16:creationId xmlns:a16="http://schemas.microsoft.com/office/drawing/2014/main" id="{F4711DEC-8609-4459-BE4C-8D8D9F78B974}"/>
+              </a:ext>
+            </a:extLst>
+          </p:cNvPr>
+          <p:cNvPicPr>
+            <a:picLocks noChangeAspect="1"/>
+          </p:cNvPicPr>
+          <p:nvPr/>
+        </p:nvPicPr>
+        <p:blipFill>
+          <a:blip r:embed="rId2"/>
+          <a:stretch>
+            <a:fillRect/>
+          </a:stretch>
+        </p:blipFill>
+        <p:spPr>
+          <a:xfrm>
+            <a:off x="1219200" y="838200"/>
+            <a:ext cx="6477000" cy="4207686"/>
+          </a:xfrm>
+          <a:prstGeom prst="rect">
+            <a:avLst/>
+          </a:prstGeom>
+        </p:spPr>
+      </p:pic>
+    </p:spTree>
+    <p:extLst>
+      <p:ext uri="{BB962C8B-B14F-4D97-AF65-F5344CB8AC3E}">
+        <p14:creationId xmlns:p14="http://schemas.microsoft.com/office/powerpoint/2010/main" val="261723110"/>
+      </p:ext>
+    </p:extLst>
+  </p:cSld>
+  <p:clrMapOvr>
+    <a:masterClrMapping/>
+  </p:clrMapOvr>
+</p:sld>
+</file>
+
+<file path=ppt/slides/slide18.xml><?xml version="1.0" encoding="utf-8"?>
+<p:sld xmlns:a="http://schemas.openxmlformats.org/drawingml/2006/main" xmlns:r="http://schemas.openxmlformats.org/officeDocument/2006/relationships" xmlns:p="http://schemas.openxmlformats.org/presentationml/2006/main">
+  <p:cSld>
+    <p:spTree>
+      <p:nvGrpSpPr>
+        <p:cNvPr id="1" name=""/>
+        <p:cNvGrpSpPr/>
+        <p:nvPr/>
+      </p:nvGrpSpPr>
+      <p:grpSpPr>
+        <a:xfrm>
+          <a:off x="0" y="0"/>
+          <a:ext cx="0" cy="0"/>
+          <a:chOff x="0" y="0"/>
+          <a:chExt cx="0" cy="0"/>
+        </a:xfrm>
+      </p:grpSpPr>
+      <p:pic>
+        <p:nvPicPr>
+          <p:cNvPr id="5" name="Picture 4">
+            <a:extLst>
+              <a:ext uri="{FF2B5EF4-FFF2-40B4-BE49-F238E27FC236}">
+                <a16:creationId xmlns:a16="http://schemas.microsoft.com/office/drawing/2014/main" id="{50C684FA-92BC-49E3-8BC2-04AED3EB7FC4}"/>
+              </a:ext>
+            </a:extLst>
+          </p:cNvPr>
+          <p:cNvPicPr>
+            <a:picLocks noChangeAspect="1"/>
+          </p:cNvPicPr>
+          <p:nvPr/>
+        </p:nvPicPr>
+        <p:blipFill>
+          <a:blip r:embed="rId2"/>
+          <a:stretch>
+            <a:fillRect/>
+          </a:stretch>
+        </p:blipFill>
+        <p:spPr>
+          <a:xfrm>
+            <a:off x="0" y="1762962"/>
+            <a:ext cx="9144000" cy="3332076"/>
+          </a:xfrm>
+          <a:prstGeom prst="rect">
+            <a:avLst/>
+          </a:prstGeom>
+        </p:spPr>
+      </p:pic>
+    </p:spTree>
+    <p:extLst>
+      <p:ext uri="{BB962C8B-B14F-4D97-AF65-F5344CB8AC3E}">
+        <p14:creationId xmlns:p14="http://schemas.microsoft.com/office/powerpoint/2010/main" val="2134000982"/>
+      </p:ext>
+    </p:extLst>
+  </p:cSld>
+  <p:clrMapOvr>
+    <a:masterClrMapping/>
+  </p:clrMapOvr>
+</p:sld>
+</file>
+
+<file path=ppt/slides/slide19.xml><?xml version="1.0" encoding="utf-8"?>
+<p:sld xmlns:a="http://schemas.openxmlformats.org/drawingml/2006/main" xmlns:r="http://schemas.openxmlformats.org/officeDocument/2006/relationships" xmlns:p="http://schemas.openxmlformats.org/presentationml/2006/main">
+  <p:cSld>
+    <p:spTree>
+      <p:nvGrpSpPr>
+        <p:cNvPr id="1" name=""/>
+        <p:cNvGrpSpPr/>
+        <p:nvPr/>
+      </p:nvGrpSpPr>
+      <p:grpSpPr>
+        <a:xfrm>
+          <a:off x="0" y="0"/>
+          <a:ext cx="0" cy="0"/>
+          <a:chOff x="0" y="0"/>
+          <a:chExt cx="0" cy="0"/>
+        </a:xfrm>
+      </p:grpSpPr>
+      <p:sp>
+        <p:nvSpPr>
+          <p:cNvPr id="2" name="Title 1">
+            <a:extLst>
+              <a:ext uri="{FF2B5EF4-FFF2-40B4-BE49-F238E27FC236}">
+                <a16:creationId xmlns:a16="http://schemas.microsoft.com/office/drawing/2014/main" id="{AEA63076-C5B3-4BC1-ADCB-B5499DE845DC}"/>
+              </a:ext>
+            </a:extLst>
+          </p:cNvPr>
+          <p:cNvSpPr>
+            <a:spLocks noGrp="1"/>
+          </p:cNvSpPr>
+          <p:nvPr>
+            <p:ph type="title"/>
+          </p:nvPr>
+        </p:nvSpPr>
+        <p:spPr/>
+        <p:txBody>
+          <a:bodyPr/>
+          <a:lstStyle/>
+          <a:p>
+            <a:r>
+              <a:rPr lang="en-US" dirty="0"/>
+              <a:t>Add code, state machine, simulations</a:t>
+            </a:r>
+          </a:p>
+        </p:txBody>
+      </p:sp>
+      <p:sp>
+        <p:nvSpPr>
+          <p:cNvPr id="3" name="Content Placeholder 2">
+            <a:extLst>
+              <a:ext uri="{FF2B5EF4-FFF2-40B4-BE49-F238E27FC236}">
+                <a16:creationId xmlns:a16="http://schemas.microsoft.com/office/drawing/2014/main" id="{468758AC-A1DF-4C5C-BC1A-ECDB9E61289C}"/>
+              </a:ext>
+            </a:extLst>
+          </p:cNvPr>
+          <p:cNvSpPr>
+            <a:spLocks noGrp="1"/>
+          </p:cNvSpPr>
+          <p:nvPr>
+            <p:ph idx="1"/>
+          </p:nvPr>
+        </p:nvSpPr>
+        <p:spPr/>
+        <p:txBody>
+          <a:bodyPr/>
+          <a:lstStyle/>
+          <a:p>
+            <a:endParaRPr lang="en-US"/>
+          </a:p>
+        </p:txBody>
+      </p:sp>
+    </p:spTree>
+    <p:extLst>
+      <p:ext uri="{BB962C8B-B14F-4D97-AF65-F5344CB8AC3E}">
+        <p14:creationId xmlns:p14="http://schemas.microsoft.com/office/powerpoint/2010/main" val="4142506211"/>
+      </p:ext>
+    </p:extLst>
+  </p:cSld>
+  <p:clrMapOvr>
+    <a:masterClrMapping/>
+  </p:clrMapOvr>
+</p:sld>
+</file>
+
+<file path=ppt/slides/slide2.xml><?xml version="1.0" encoding="utf-8"?>
+<p:sld xmlns:a="http://schemas.openxmlformats.org/drawingml/2006/main" xmlns:r="http://schemas.openxmlformats.org/officeDocument/2006/relationships" xmlns:p="http://schemas.openxmlformats.org/presentationml/2006/main">
+  <p:cSld>
+    <p:spTree>
+      <p:nvGrpSpPr>
+        <p:cNvPr id="1" name=""/>
+        <p:cNvGrpSpPr/>
+        <p:nvPr/>
+      </p:nvGrpSpPr>
+      <p:grpSpPr>
+        <a:xfrm>
+          <a:off x="0" y="0"/>
+          <a:ext cx="0" cy="0"/>
+          <a:chOff x="0" y="0"/>
+          <a:chExt cx="0" cy="0"/>
+        </a:xfrm>
+      </p:grpSpPr>
+      <p:sp>
+        <p:nvSpPr>
+          <p:cNvPr id="2" name="Title 1">
+            <a:extLst>
+              <a:ext uri="{FF2B5EF4-FFF2-40B4-BE49-F238E27FC236}">
+                <a16:creationId xmlns:a16="http://schemas.microsoft.com/office/drawing/2014/main" id="{BEFD01E3-30A9-4387-9263-E004503E26B7}"/>
+              </a:ext>
+            </a:extLst>
+          </p:cNvPr>
+          <p:cNvSpPr>
+            <a:spLocks noGrp="1"/>
+          </p:cNvSpPr>
+          <p:nvPr>
+            <p:ph type="title"/>
+          </p:nvPr>
+        </p:nvSpPr>
+        <p:spPr/>
+        <p:txBody>
+          <a:bodyPr/>
+          <a:lstStyle/>
+          <a:p>
+            <a:r>
+              <a:rPr lang="en-US" dirty="0">
+                <a:latin typeface="Tahoma" panose="020B0604030504040204" pitchFamily="34" charset="0"/>
+                <a:ea typeface="Tahoma" panose="020B0604030504040204" pitchFamily="34" charset="0"/>
+                <a:cs typeface="Tahoma" panose="020B0604030504040204" pitchFamily="34" charset="0"/>
+              </a:rPr>
+              <a:t>Motivation</a:t>
+            </a:r>
+          </a:p>
+        </p:txBody>
+      </p:sp>
+      <p:sp>
+        <p:nvSpPr>
+          <p:cNvPr id="3" name="Content Placeholder 2">
+            <a:extLst>
+              <a:ext uri="{FF2B5EF4-FFF2-40B4-BE49-F238E27FC236}">
+                <a16:creationId xmlns:a16="http://schemas.microsoft.com/office/drawing/2014/main" id="{DBCA04BB-BEFC-4EBE-B603-C1EB580FA648}"/>
+              </a:ext>
+            </a:extLst>
+          </p:cNvPr>
+          <p:cNvSpPr>
+            <a:spLocks noGrp="1"/>
+          </p:cNvSpPr>
+          <p:nvPr>
+            <p:ph idx="1"/>
+          </p:nvPr>
+        </p:nvSpPr>
+        <p:spPr>
+          <a:xfrm>
+            <a:off x="226417" y="1288349"/>
+            <a:ext cx="8001000" cy="4114800"/>
+          </a:xfrm>
+        </p:spPr>
+        <p:txBody>
+          <a:bodyPr/>
+          <a:lstStyle/>
+          <a:p>
+            <a:r>
+              <a:rPr lang="en-US" sz="2400" dirty="0">
+                <a:latin typeface="Tahoma" panose="020B0604030504040204" pitchFamily="34" charset="0"/>
+                <a:ea typeface="Tahoma" panose="020B0604030504040204" pitchFamily="34" charset="0"/>
+                <a:cs typeface="Tahoma" panose="020B0604030504040204" pitchFamily="34" charset="0"/>
+              </a:rPr>
+              <a:t>Penn State’s Neural Engineering Group designs brain-machine interfaces (BMI) for seizure research.</a:t>
+            </a:r>
+          </a:p>
+          <a:p>
+            <a:r>
+              <a:rPr lang="en-US" sz="2400" dirty="0">
+                <a:latin typeface="Tahoma" panose="020B0604030504040204" pitchFamily="34" charset="0"/>
+                <a:ea typeface="Tahoma" panose="020B0604030504040204" pitchFamily="34" charset="0"/>
+                <a:cs typeface="Tahoma" panose="020B0604030504040204" pitchFamily="34" charset="0"/>
+              </a:rPr>
+              <a:t>One of their current goals: to expand on the existing BMI system and fix some of its existing problems.</a:t>
+            </a:r>
+          </a:p>
+        </p:txBody>
+      </p:sp>
+      <p:pic>
+        <p:nvPicPr>
+          <p:cNvPr id="4" name="Picture 3">
+            <a:extLst>
+              <a:ext uri="{FF2B5EF4-FFF2-40B4-BE49-F238E27FC236}">
+                <a16:creationId xmlns:a16="http://schemas.microsoft.com/office/drawing/2014/main" id="{0E90DF57-93FE-41EF-B574-4DC3B675F858}"/>
+              </a:ext>
+            </a:extLst>
+          </p:cNvPr>
+          <p:cNvPicPr>
+            <a:picLocks noChangeAspect="1"/>
+          </p:cNvPicPr>
+          <p:nvPr/>
+        </p:nvPicPr>
+        <p:blipFill>
+          <a:blip r:embed="rId2"/>
+          <a:stretch>
+            <a:fillRect/>
+          </a:stretch>
+        </p:blipFill>
+        <p:spPr>
+          <a:xfrm>
+            <a:off x="38100" y="3512251"/>
+            <a:ext cx="3060700" cy="2303580"/>
+          </a:xfrm>
+          <a:prstGeom prst="rect">
+            <a:avLst/>
+          </a:prstGeom>
+        </p:spPr>
+      </p:pic>
+      <p:pic>
+        <p:nvPicPr>
+          <p:cNvPr id="5" name="Picture 4">
+            <a:extLst>
+              <a:ext uri="{FF2B5EF4-FFF2-40B4-BE49-F238E27FC236}">
+                <a16:creationId xmlns:a16="http://schemas.microsoft.com/office/drawing/2014/main" id="{5881A090-08F0-43D0-AA20-8866F5B9D7AC}"/>
+              </a:ext>
+            </a:extLst>
+          </p:cNvPr>
+          <p:cNvPicPr>
+            <a:picLocks noChangeAspect="1"/>
+          </p:cNvPicPr>
+          <p:nvPr/>
+        </p:nvPicPr>
+        <p:blipFill>
+          <a:blip r:embed="rId3"/>
+          <a:stretch>
+            <a:fillRect/>
+          </a:stretch>
+        </p:blipFill>
+        <p:spPr>
+          <a:xfrm>
+            <a:off x="5848763" y="3463891"/>
+            <a:ext cx="3309112" cy="2303580"/>
+          </a:xfrm>
+          <a:prstGeom prst="rect">
+            <a:avLst/>
+          </a:prstGeom>
+        </p:spPr>
+      </p:pic>
+      <p:pic>
+        <p:nvPicPr>
+          <p:cNvPr id="6" name="Picture 5">
+            <a:extLst>
+              <a:ext uri="{FF2B5EF4-FFF2-40B4-BE49-F238E27FC236}">
+                <a16:creationId xmlns:a16="http://schemas.microsoft.com/office/drawing/2014/main" id="{6583045D-6EB5-4522-97E6-C526CE7CFAE7}"/>
+              </a:ext>
+            </a:extLst>
+          </p:cNvPr>
+          <p:cNvPicPr>
+            <a:picLocks noChangeAspect="1"/>
+          </p:cNvPicPr>
+          <p:nvPr/>
+        </p:nvPicPr>
+        <p:blipFill>
+          <a:blip r:embed="rId4"/>
+          <a:stretch>
+            <a:fillRect/>
+          </a:stretch>
+        </p:blipFill>
+        <p:spPr>
+          <a:xfrm>
+            <a:off x="3550650" y="3415530"/>
+            <a:ext cx="1833563" cy="2400301"/>
+          </a:xfrm>
+          <a:prstGeom prst="rect">
+            <a:avLst/>
+          </a:prstGeom>
+        </p:spPr>
+      </p:pic>
+      <p:sp>
+        <p:nvSpPr>
+          <p:cNvPr id="7" name="TextBox 6">
+            <a:extLst>
+              <a:ext uri="{FF2B5EF4-FFF2-40B4-BE49-F238E27FC236}">
+                <a16:creationId xmlns:a16="http://schemas.microsoft.com/office/drawing/2014/main" id="{0EE597DE-AAF5-4481-908A-BC2454981239}"/>
+              </a:ext>
+            </a:extLst>
+          </p:cNvPr>
+          <p:cNvSpPr txBox="1"/>
+          <p:nvPr/>
+        </p:nvSpPr>
+        <p:spPr>
+          <a:xfrm>
+            <a:off x="7031037" y="2756005"/>
+            <a:ext cx="2112963" cy="707886"/>
+          </a:xfrm>
+          <a:prstGeom prst="rect">
+            <a:avLst/>
+          </a:prstGeom>
+          <a:noFill/>
+        </p:spPr>
+        <p:txBody>
+          <a:bodyPr wrap="square" rtlCol="0">
+            <a:spAutoFit/>
+          </a:bodyPr>
+          <a:lstStyle/>
+          <a:p>
+            <a:r>
+              <a:rPr lang="en-US" sz="1000" dirty="0">
+                <a:latin typeface="Tahoma" panose="020B0604030504040204" pitchFamily="34" charset="0"/>
+                <a:ea typeface="Tahoma" panose="020B0604030504040204" pitchFamily="34" charset="0"/>
+                <a:cs typeface="Tahoma" panose="020B0604030504040204" pitchFamily="34" charset="0"/>
+              </a:rPr>
+              <a:t>Image credit: Bruce </a:t>
+            </a:r>
+            <a:r>
+              <a:rPr lang="en-US" sz="1000" dirty="0" err="1">
+                <a:latin typeface="Tahoma" panose="020B0604030504040204" pitchFamily="34" charset="0"/>
+                <a:ea typeface="Tahoma" panose="020B0604030504040204" pitchFamily="34" charset="0"/>
+                <a:cs typeface="Tahoma" panose="020B0604030504040204" pitchFamily="34" charset="0"/>
+              </a:rPr>
+              <a:t>Gluckman</a:t>
+            </a:r>
+            <a:r>
+              <a:rPr lang="en-US" sz="1000" dirty="0">
+                <a:latin typeface="Tahoma" panose="020B0604030504040204" pitchFamily="34" charset="0"/>
+                <a:ea typeface="Tahoma" panose="020B0604030504040204" pitchFamily="34" charset="0"/>
+                <a:cs typeface="Tahoma" panose="020B0604030504040204" pitchFamily="34" charset="0"/>
+              </a:rPr>
+              <a:t>, “Spreading Depolarization Happens Spontaneously in models of Epilepsy”</a:t>
+            </a:r>
+          </a:p>
+        </p:txBody>
+      </p:sp>
+    </p:spTree>
+    <p:extLst>
+      <p:ext uri="{BB962C8B-B14F-4D97-AF65-F5344CB8AC3E}">
+        <p14:creationId xmlns:p14="http://schemas.microsoft.com/office/powerpoint/2010/main" val="4130192993"/>
+      </p:ext>
+    </p:extLst>
+  </p:cSld>
+  <p:clrMapOvr>
+    <a:masterClrMapping/>
+  </p:clrMapOvr>
+</p:sld>
+</file>
+
+<file path=ppt/slides/slide20.xml><?xml version="1.0" encoding="utf-8"?>
+<p:sld xmlns:a="http://schemas.openxmlformats.org/drawingml/2006/main" xmlns:r="http://schemas.openxmlformats.org/officeDocument/2006/relationships" xmlns:p="http://schemas.openxmlformats.org/presentationml/2006/main">
+  <p:cSld>
+    <p:spTree>
+      <p:nvGrpSpPr>
+        <p:cNvPr id="1" name=""/>
+        <p:cNvGrpSpPr/>
+        <p:nvPr/>
+      </p:nvGrpSpPr>
+      <p:grpSpPr>
+        <a:xfrm>
+          <a:off x="0" y="0"/>
+          <a:ext cx="0" cy="0"/>
+          <a:chOff x="0" y="0"/>
+          <a:chExt cx="0" cy="0"/>
+        </a:xfrm>
+      </p:grpSpPr>
+      <p:sp>
+        <p:nvSpPr>
+          <p:cNvPr id="2" name="Title 1">
+            <a:extLst>
+              <a:ext uri="{FF2B5EF4-FFF2-40B4-BE49-F238E27FC236}">
+                <a16:creationId xmlns:a16="http://schemas.microsoft.com/office/drawing/2014/main" id="{D3E5279B-B151-400A-91BB-4B361E527090}"/>
+              </a:ext>
+            </a:extLst>
+          </p:cNvPr>
+          <p:cNvSpPr>
+            <a:spLocks noGrp="1"/>
+          </p:cNvSpPr>
+          <p:nvPr>
+            <p:ph type="title"/>
+          </p:nvPr>
+        </p:nvSpPr>
+        <p:spPr/>
+        <p:txBody>
+          <a:bodyPr/>
+          <a:lstStyle/>
+          <a:p>
+            <a:r>
+              <a:rPr lang="en-US" dirty="0" err="1">
+                <a:latin typeface="Tahoma" panose="020B0604030504040204" pitchFamily="34" charset="0"/>
+                <a:ea typeface="Tahoma" panose="020B0604030504040204" pitchFamily="34" charset="0"/>
+                <a:cs typeface="Tahoma" panose="020B0604030504040204" pitchFamily="34" charset="0"/>
+              </a:rPr>
+              <a:t>Matlab</a:t>
+            </a:r>
+            <a:r>
+              <a:rPr lang="en-US" dirty="0">
+                <a:latin typeface="Tahoma" panose="020B0604030504040204" pitchFamily="34" charset="0"/>
+                <a:ea typeface="Tahoma" panose="020B0604030504040204" pitchFamily="34" charset="0"/>
+                <a:cs typeface="Tahoma" panose="020B0604030504040204" pitchFamily="34" charset="0"/>
+              </a:rPr>
+              <a:t> Testing/Simulation</a:t>
+            </a:r>
+          </a:p>
+        </p:txBody>
+      </p:sp>
+      <p:sp>
+        <p:nvSpPr>
+          <p:cNvPr id="3" name="Content Placeholder 2">
+            <a:extLst>
+              <a:ext uri="{FF2B5EF4-FFF2-40B4-BE49-F238E27FC236}">
+                <a16:creationId xmlns:a16="http://schemas.microsoft.com/office/drawing/2014/main" id="{320E32B7-CA33-40E0-B609-8EABCCBEF426}"/>
+              </a:ext>
+            </a:extLst>
+          </p:cNvPr>
+          <p:cNvSpPr>
+            <a:spLocks noGrp="1"/>
+          </p:cNvSpPr>
+          <p:nvPr>
+            <p:ph idx="1"/>
+          </p:nvPr>
+        </p:nvSpPr>
+        <p:spPr/>
+        <p:txBody>
+          <a:bodyPr/>
+          <a:lstStyle/>
+          <a:p>
+            <a:endParaRPr lang="en-US" dirty="0"/>
+          </a:p>
+        </p:txBody>
+      </p:sp>
+    </p:spTree>
+    <p:extLst>
+      <p:ext uri="{BB962C8B-B14F-4D97-AF65-F5344CB8AC3E}">
+        <p14:creationId xmlns:p14="http://schemas.microsoft.com/office/powerpoint/2010/main" val="3456059221"/>
+      </p:ext>
+    </p:extLst>
+  </p:cSld>
+  <p:clrMapOvr>
+    <a:masterClrMapping/>
+  </p:clrMapOvr>
+</p:sld>
+</file>
+
+<file path=ppt/slides/slide21.xml><?xml version="1.0" encoding="utf-8"?>
 <p:sld xmlns:a="http://schemas.openxmlformats.org/drawingml/2006/main" xmlns:r="http://schemas.openxmlformats.org/officeDocument/2006/relationships" xmlns:p="http://schemas.openxmlformats.org/presentationml/2006/main">
   <p:cSld>
     <p:spTree>
@@ -10061,7 +11112,7 @@
 </p:sld>
 </file>
 
-<file path=ppt/slides/slide13.xml><?xml version="1.0" encoding="utf-8"?>
+<file path=ppt/slides/slide22.xml><?xml version="1.0" encoding="utf-8"?>
 <p:sld xmlns:a="http://schemas.openxmlformats.org/drawingml/2006/main" xmlns:r="http://schemas.openxmlformats.org/officeDocument/2006/relationships" xmlns:p="http://schemas.openxmlformats.org/presentationml/2006/main">
   <p:cSld>
     <p:spTree>
@@ -10142,6 +11193,36 @@
           </a:p>
         </p:txBody>
       </p:sp>
+      <p:pic>
+        <p:nvPicPr>
+          <p:cNvPr id="4" name="Picture 3">
+            <a:extLst>
+              <a:ext uri="{FF2B5EF4-FFF2-40B4-BE49-F238E27FC236}">
+                <a16:creationId xmlns:a16="http://schemas.microsoft.com/office/drawing/2014/main" id="{6BCC0221-3E88-40C8-834F-C5B9B3766538}"/>
+              </a:ext>
+            </a:extLst>
+          </p:cNvPr>
+          <p:cNvPicPr>
+            <a:picLocks noChangeAspect="1"/>
+          </p:cNvPicPr>
+          <p:nvPr/>
+        </p:nvPicPr>
+        <p:blipFill>
+          <a:blip r:embed="rId2"/>
+          <a:stretch>
+            <a:fillRect/>
+          </a:stretch>
+        </p:blipFill>
+        <p:spPr>
+          <a:xfrm>
+            <a:off x="2438400" y="2514600"/>
+            <a:ext cx="4114800" cy="2897103"/>
+          </a:xfrm>
+          <a:prstGeom prst="rect">
+            <a:avLst/>
+          </a:prstGeom>
+        </p:spPr>
+      </p:pic>
     </p:spTree>
     <p:extLst>
       <p:ext uri="{BB962C8B-B14F-4D97-AF65-F5344CB8AC3E}">
@@ -10155,7 +11236,108 @@
 </p:sld>
 </file>
 
-<file path=ppt/slides/slide14.xml><?xml version="1.0" encoding="utf-8"?>
+<file path=ppt/slides/slide23.xml><?xml version="1.0" encoding="utf-8"?>
+<p:sld xmlns:a="http://schemas.openxmlformats.org/drawingml/2006/main" xmlns:r="http://schemas.openxmlformats.org/officeDocument/2006/relationships" xmlns:p="http://schemas.openxmlformats.org/presentationml/2006/main">
+  <p:cSld>
+    <p:spTree>
+      <p:nvGrpSpPr>
+        <p:cNvPr id="1" name=""/>
+        <p:cNvGrpSpPr/>
+        <p:nvPr/>
+      </p:nvGrpSpPr>
+      <p:grpSpPr>
+        <a:xfrm>
+          <a:off x="0" y="0"/>
+          <a:ext cx="0" cy="0"/>
+          <a:chOff x="0" y="0"/>
+          <a:chExt cx="0" cy="0"/>
+        </a:xfrm>
+      </p:grpSpPr>
+      <p:pic>
+        <p:nvPicPr>
+          <p:cNvPr id="4" name="Content Placeholder 3">
+            <a:extLst>
+              <a:ext uri="{FF2B5EF4-FFF2-40B4-BE49-F238E27FC236}">
+                <a16:creationId xmlns:a16="http://schemas.microsoft.com/office/drawing/2014/main" id="{61BA7ADA-BAC4-4F31-B1AB-D66E7ABB0101}"/>
+              </a:ext>
+            </a:extLst>
+          </p:cNvPr>
+          <p:cNvPicPr>
+            <a:picLocks noGrp="1" noChangeAspect="1"/>
+          </p:cNvPicPr>
+          <p:nvPr>
+            <p:ph idx="1"/>
+          </p:nvPr>
+        </p:nvPicPr>
+        <p:blipFill>
+          <a:blip r:embed="rId2"/>
+          <a:stretch>
+            <a:fillRect/>
+          </a:stretch>
+        </p:blipFill>
+        <p:spPr>
+          <a:xfrm>
+            <a:off x="1504950" y="1752600"/>
+            <a:ext cx="6134100" cy="3352800"/>
+          </a:xfrm>
+          <a:prstGeom prst="rect">
+            <a:avLst/>
+          </a:prstGeom>
+        </p:spPr>
+      </p:pic>
+      <p:sp>
+        <p:nvSpPr>
+          <p:cNvPr id="6" name="TextBox 5">
+            <a:extLst>
+              <a:ext uri="{FF2B5EF4-FFF2-40B4-BE49-F238E27FC236}">
+                <a16:creationId xmlns:a16="http://schemas.microsoft.com/office/drawing/2014/main" id="{EC136C72-86C5-4A26-93DC-3EE91DAAE582}"/>
+              </a:ext>
+            </a:extLst>
+          </p:cNvPr>
+          <p:cNvSpPr txBox="1"/>
+          <p:nvPr/>
+        </p:nvSpPr>
+        <p:spPr>
+          <a:xfrm>
+            <a:off x="3200400" y="609600"/>
+            <a:ext cx="5181600" cy="769441"/>
+          </a:xfrm>
+          <a:prstGeom prst="rect">
+            <a:avLst/>
+          </a:prstGeom>
+          <a:noFill/>
+        </p:spPr>
+        <p:txBody>
+          <a:bodyPr wrap="square" rtlCol="0">
+            <a:spAutoFit/>
+          </a:bodyPr>
+          <a:lstStyle/>
+          <a:p>
+            <a:r>
+              <a:rPr lang="en-US" sz="4400" dirty="0">
+                <a:latin typeface="Tahoma" panose="020B0604030504040204" pitchFamily="34" charset="0"/>
+                <a:ea typeface="Tahoma" panose="020B0604030504040204" pitchFamily="34" charset="0"/>
+                <a:cs typeface="Tahoma" panose="020B0604030504040204" pitchFamily="34" charset="0"/>
+              </a:rPr>
+              <a:t>ESP8266</a:t>
+            </a:r>
+          </a:p>
+        </p:txBody>
+      </p:sp>
+    </p:spTree>
+    <p:extLst>
+      <p:ext uri="{BB962C8B-B14F-4D97-AF65-F5344CB8AC3E}">
+        <p14:creationId xmlns:p14="http://schemas.microsoft.com/office/powerpoint/2010/main" val="4042764568"/>
+      </p:ext>
+    </p:extLst>
+  </p:cSld>
+  <p:clrMapOvr>
+    <a:masterClrMapping/>
+  </p:clrMapOvr>
+</p:sld>
+</file>
+
+<file path=ppt/slides/slide24.xml><?xml version="1.0" encoding="utf-8"?>
 <p:sld xmlns:a="http://schemas.openxmlformats.org/drawingml/2006/main" xmlns:r="http://schemas.openxmlformats.org/officeDocument/2006/relationships" xmlns:p="http://schemas.openxmlformats.org/presentationml/2006/main">
   <p:cSld>
     <p:spTree>
@@ -10177,7 +11359,7 @@
           <p:cNvPr id="2" name="Title 1">
             <a:extLst>
               <a:ext uri="{FF2B5EF4-FFF2-40B4-BE49-F238E27FC236}">
-                <a16:creationId xmlns:a16="http://schemas.microsoft.com/office/drawing/2014/main" id="{D3E5279B-B151-400A-91BB-4B361E527090}"/>
+                <a16:creationId xmlns:a16="http://schemas.microsoft.com/office/drawing/2014/main" id="{877EB242-145B-463A-8BCA-7365B13BB0CA}"/>
               </a:ext>
             </a:extLst>
           </p:cNvPr>
@@ -10199,40 +11381,45 @@
                 <a:ea typeface="Tahoma" panose="020B0604030504040204" pitchFamily="34" charset="0"/>
                 <a:cs typeface="Tahoma" panose="020B0604030504040204" pitchFamily="34" charset="0"/>
               </a:rPr>
-              <a:t>Progress / Simulations</a:t>
+              <a:t>Server Setup</a:t>
             </a:r>
           </a:p>
         </p:txBody>
       </p:sp>
-      <p:sp>
-        <p:nvSpPr>
-          <p:cNvPr id="3" name="Content Placeholder 2">
+      <p:pic>
+        <p:nvPicPr>
+          <p:cNvPr id="7" name="Picture 6">
             <a:extLst>
               <a:ext uri="{FF2B5EF4-FFF2-40B4-BE49-F238E27FC236}">
-                <a16:creationId xmlns:a16="http://schemas.microsoft.com/office/drawing/2014/main" id="{320E32B7-CA33-40E0-B609-8EABCCBEF426}"/>
+                <a16:creationId xmlns:a16="http://schemas.microsoft.com/office/drawing/2014/main" id="{094B5DBB-DBB2-4B64-ACD9-78D32DF81BF9}"/>
               </a:ext>
             </a:extLst>
           </p:cNvPr>
-          <p:cNvSpPr>
-            <a:spLocks noGrp="1"/>
-          </p:cNvSpPr>
-          <p:nvPr>
-            <p:ph idx="1"/>
-          </p:nvPr>
-        </p:nvSpPr>
-        <p:spPr/>
-        <p:txBody>
-          <a:bodyPr/>
-          <a:lstStyle/>
-          <a:p>
-            <a:endParaRPr lang="en-US"/>
-          </a:p>
-        </p:txBody>
-      </p:sp>
+          <p:cNvPicPr>
+            <a:picLocks noChangeAspect="1"/>
+          </p:cNvPicPr>
+          <p:nvPr/>
+        </p:nvPicPr>
+        <p:blipFill>
+          <a:blip r:embed="rId2"/>
+          <a:stretch>
+            <a:fillRect/>
+          </a:stretch>
+        </p:blipFill>
+        <p:spPr>
+          <a:xfrm>
+            <a:off x="1138237" y="1943100"/>
+            <a:ext cx="6867525" cy="2971800"/>
+          </a:xfrm>
+          <a:prstGeom prst="rect">
+            <a:avLst/>
+          </a:prstGeom>
+        </p:spPr>
+      </p:pic>
     </p:spTree>
     <p:extLst>
       <p:ext uri="{BB962C8B-B14F-4D97-AF65-F5344CB8AC3E}">
-        <p14:creationId xmlns:p14="http://schemas.microsoft.com/office/powerpoint/2010/main" val="3456059221"/>
+        <p14:creationId xmlns:p14="http://schemas.microsoft.com/office/powerpoint/2010/main" val="1318964193"/>
       </p:ext>
     </p:extLst>
   </p:cSld>
@@ -10242,7 +11429,7 @@
 </p:sld>
 </file>
 
-<file path=ppt/slides/slide15.xml><?xml version="1.0" encoding="utf-8"?>
+<file path=ppt/slides/slide25.xml><?xml version="1.0" encoding="utf-8"?>
 <p:sld xmlns:a="http://schemas.openxmlformats.org/drawingml/2006/main" xmlns:r="http://schemas.openxmlformats.org/officeDocument/2006/relationships" xmlns:p="http://schemas.openxmlformats.org/presentationml/2006/main">
   <p:cSld>
     <p:spTree>
@@ -10511,7 +11698,7 @@
 </p:sld>
 </file>
 
-<file path=ppt/slides/slide16.xml><?xml version="1.0" encoding="utf-8"?>
+<file path=ppt/slides/slide26.xml><?xml version="1.0" encoding="utf-8"?>
 <p:sld xmlns:a="http://schemas.openxmlformats.org/drawingml/2006/main" xmlns:r="http://schemas.openxmlformats.org/officeDocument/2006/relationships" xmlns:p="http://schemas.openxmlformats.org/presentationml/2006/main">
   <p:cSld>
     <p:spTree>
@@ -10528,6 +11715,36 @@
           <a:chExt cx="0" cy="0"/>
         </a:xfrm>
       </p:grpSpPr>
+      <p:pic>
+        <p:nvPicPr>
+          <p:cNvPr id="5" name="Picture 4">
+            <a:extLst>
+              <a:ext uri="{FF2B5EF4-FFF2-40B4-BE49-F238E27FC236}">
+                <a16:creationId xmlns:a16="http://schemas.microsoft.com/office/drawing/2014/main" id="{771CE7B9-76ED-48A3-BC2A-D256EF0AC62A}"/>
+              </a:ext>
+            </a:extLst>
+          </p:cNvPr>
+          <p:cNvPicPr>
+            <a:picLocks noChangeAspect="1"/>
+          </p:cNvPicPr>
+          <p:nvPr/>
+        </p:nvPicPr>
+        <p:blipFill>
+          <a:blip r:embed="rId2"/>
+          <a:stretch>
+            <a:fillRect/>
+          </a:stretch>
+        </p:blipFill>
+        <p:spPr>
+          <a:xfrm>
+            <a:off x="6105225" y="4348784"/>
+            <a:ext cx="1467450" cy="1251916"/>
+          </a:xfrm>
+          <a:prstGeom prst="rect">
+            <a:avLst/>
+          </a:prstGeom>
+        </p:spPr>
+      </p:pic>
       <p:sp>
         <p:nvSpPr>
           <p:cNvPr id="2" name="Title 1">
@@ -10544,7 +11761,12 @@
             <p:ph type="title"/>
           </p:nvPr>
         </p:nvSpPr>
-        <p:spPr/>
+        <p:spPr>
+          <a:xfrm>
+            <a:off x="457200" y="381000"/>
+            <a:ext cx="8229600" cy="1143000"/>
+          </a:xfrm>
+        </p:spPr>
         <p:txBody>
           <a:bodyPr/>
           <a:lstStyle/>
@@ -10577,7 +11799,7 @@
           </p:nvPr>
         </p:nvPicPr>
         <p:blipFill>
-          <a:blip r:embed="rId2"/>
+          <a:blip r:embed="rId3"/>
           <a:stretch>
             <a:fillRect/>
           </a:stretch>
@@ -10596,260 +11818,6 @@
     <p:extLst>
       <p:ext uri="{BB962C8B-B14F-4D97-AF65-F5344CB8AC3E}">
         <p14:creationId xmlns:p14="http://schemas.microsoft.com/office/powerpoint/2010/main" val="3424280288"/>
-      </p:ext>
-    </p:extLst>
-  </p:cSld>
-  <p:clrMapOvr>
-    <a:masterClrMapping/>
-  </p:clrMapOvr>
-</p:sld>
-</file>
-
-<file path=ppt/slides/slide2.xml><?xml version="1.0" encoding="utf-8"?>
-<p:sld xmlns:a="http://schemas.openxmlformats.org/drawingml/2006/main" xmlns:r="http://schemas.openxmlformats.org/officeDocument/2006/relationships" xmlns:p="http://schemas.openxmlformats.org/presentationml/2006/main">
-  <p:cSld>
-    <p:spTree>
-      <p:nvGrpSpPr>
-        <p:cNvPr id="1" name=""/>
-        <p:cNvGrpSpPr/>
-        <p:nvPr/>
-      </p:nvGrpSpPr>
-      <p:grpSpPr>
-        <a:xfrm>
-          <a:off x="0" y="0"/>
-          <a:ext cx="0" cy="0"/>
-          <a:chOff x="0" y="0"/>
-          <a:chExt cx="0" cy="0"/>
-        </a:xfrm>
-      </p:grpSpPr>
-      <p:sp>
-        <p:nvSpPr>
-          <p:cNvPr id="2" name="Title 1">
-            <a:extLst>
-              <a:ext uri="{FF2B5EF4-FFF2-40B4-BE49-F238E27FC236}">
-                <a16:creationId xmlns:a16="http://schemas.microsoft.com/office/drawing/2014/main" id="{BEFD01E3-30A9-4387-9263-E004503E26B7}"/>
-              </a:ext>
-            </a:extLst>
-          </p:cNvPr>
-          <p:cNvSpPr>
-            <a:spLocks noGrp="1"/>
-          </p:cNvSpPr>
-          <p:nvPr>
-            <p:ph type="title"/>
-          </p:nvPr>
-        </p:nvSpPr>
-        <p:spPr/>
-        <p:txBody>
-          <a:bodyPr/>
-          <a:lstStyle/>
-          <a:p>
-            <a:r>
-              <a:rPr lang="en-US" dirty="0">
-                <a:latin typeface="Tahoma" panose="020B0604030504040204" pitchFamily="34" charset="0"/>
-                <a:ea typeface="Tahoma" panose="020B0604030504040204" pitchFamily="34" charset="0"/>
-                <a:cs typeface="Tahoma" panose="020B0604030504040204" pitchFamily="34" charset="0"/>
-              </a:rPr>
-              <a:t>Motivation</a:t>
-            </a:r>
-          </a:p>
-        </p:txBody>
-      </p:sp>
-      <p:sp>
-        <p:nvSpPr>
-          <p:cNvPr id="3" name="Content Placeholder 2">
-            <a:extLst>
-              <a:ext uri="{FF2B5EF4-FFF2-40B4-BE49-F238E27FC236}">
-                <a16:creationId xmlns:a16="http://schemas.microsoft.com/office/drawing/2014/main" id="{DBCA04BB-BEFC-4EBE-B603-C1EB580FA648}"/>
-              </a:ext>
-            </a:extLst>
-          </p:cNvPr>
-          <p:cNvSpPr>
-            <a:spLocks noGrp="1"/>
-          </p:cNvSpPr>
-          <p:nvPr>
-            <p:ph idx="1"/>
-          </p:nvPr>
-        </p:nvSpPr>
-        <p:spPr>
-          <a:xfrm>
-            <a:off x="226417" y="1288349"/>
-            <a:ext cx="8001000" cy="4114800"/>
-          </a:xfrm>
-        </p:spPr>
-        <p:txBody>
-          <a:bodyPr/>
-          <a:lstStyle/>
-          <a:p>
-            <a:r>
-              <a:rPr lang="en-US" sz="2400" dirty="0">
-                <a:latin typeface="Tahoma" panose="020B0604030504040204" pitchFamily="34" charset="0"/>
-                <a:ea typeface="Tahoma" panose="020B0604030504040204" pitchFamily="34" charset="0"/>
-                <a:cs typeface="Tahoma" panose="020B0604030504040204" pitchFamily="34" charset="0"/>
-              </a:rPr>
-              <a:t>Penn State’s Neural Engineering Group designs brain-machine interfaces (BMI) for seizure research.</a:t>
-            </a:r>
-          </a:p>
-          <a:p>
-            <a:r>
-              <a:rPr lang="en-US" sz="2400" dirty="0">
-                <a:latin typeface="Tahoma" panose="020B0604030504040204" pitchFamily="34" charset="0"/>
-                <a:ea typeface="Tahoma" panose="020B0604030504040204" pitchFamily="34" charset="0"/>
-                <a:cs typeface="Tahoma" panose="020B0604030504040204" pitchFamily="34" charset="0"/>
-              </a:rPr>
-              <a:t>One of their current goals: to expand on the existing BMI system and fix some of its existing problems.</a:t>
-            </a:r>
-          </a:p>
-        </p:txBody>
-      </p:sp>
-      <p:pic>
-        <p:nvPicPr>
-          <p:cNvPr id="4" name="Picture 3">
-            <a:extLst>
-              <a:ext uri="{FF2B5EF4-FFF2-40B4-BE49-F238E27FC236}">
-                <a16:creationId xmlns:a16="http://schemas.microsoft.com/office/drawing/2014/main" id="{0E90DF57-93FE-41EF-B574-4DC3B675F858}"/>
-              </a:ext>
-            </a:extLst>
-          </p:cNvPr>
-          <p:cNvPicPr>
-            <a:picLocks noChangeAspect="1"/>
-          </p:cNvPicPr>
-          <p:nvPr/>
-        </p:nvPicPr>
-        <p:blipFill>
-          <a:blip r:embed="rId2"/>
-          <a:stretch>
-            <a:fillRect/>
-          </a:stretch>
-        </p:blipFill>
-        <p:spPr>
-          <a:xfrm>
-            <a:off x="38100" y="3512251"/>
-            <a:ext cx="3060700" cy="2303580"/>
-          </a:xfrm>
-          <a:prstGeom prst="rect">
-            <a:avLst/>
-          </a:prstGeom>
-        </p:spPr>
-      </p:pic>
-      <p:pic>
-        <p:nvPicPr>
-          <p:cNvPr id="5" name="Picture 4">
-            <a:extLst>
-              <a:ext uri="{FF2B5EF4-FFF2-40B4-BE49-F238E27FC236}">
-                <a16:creationId xmlns:a16="http://schemas.microsoft.com/office/drawing/2014/main" id="{5881A090-08F0-43D0-AA20-8866F5B9D7AC}"/>
-              </a:ext>
-            </a:extLst>
-          </p:cNvPr>
-          <p:cNvPicPr>
-            <a:picLocks noChangeAspect="1"/>
-          </p:cNvPicPr>
-          <p:nvPr/>
-        </p:nvPicPr>
-        <p:blipFill>
-          <a:blip r:embed="rId3"/>
-          <a:stretch>
-            <a:fillRect/>
-          </a:stretch>
-        </p:blipFill>
-        <p:spPr>
-          <a:xfrm>
-            <a:off x="5848763" y="3463891"/>
-            <a:ext cx="3309112" cy="2303580"/>
-          </a:xfrm>
-          <a:prstGeom prst="rect">
-            <a:avLst/>
-          </a:prstGeom>
-        </p:spPr>
-      </p:pic>
-      <p:pic>
-        <p:nvPicPr>
-          <p:cNvPr id="6" name="Picture 5">
-            <a:extLst>
-              <a:ext uri="{FF2B5EF4-FFF2-40B4-BE49-F238E27FC236}">
-                <a16:creationId xmlns:a16="http://schemas.microsoft.com/office/drawing/2014/main" id="{6583045D-6EB5-4522-97E6-C526CE7CFAE7}"/>
-              </a:ext>
-            </a:extLst>
-          </p:cNvPr>
-          <p:cNvPicPr>
-            <a:picLocks noChangeAspect="1"/>
-          </p:cNvPicPr>
-          <p:nvPr/>
-        </p:nvPicPr>
-        <p:blipFill>
-          <a:blip r:embed="rId4"/>
-          <a:stretch>
-            <a:fillRect/>
-          </a:stretch>
-        </p:blipFill>
-        <p:spPr>
-          <a:xfrm>
-            <a:off x="3550650" y="3415530"/>
-            <a:ext cx="1833563" cy="2400301"/>
-          </a:xfrm>
-          <a:prstGeom prst="rect">
-            <a:avLst/>
-          </a:prstGeom>
-        </p:spPr>
-      </p:pic>
-      <p:sp>
-        <p:nvSpPr>
-          <p:cNvPr id="7" name="TextBox 6">
-            <a:extLst>
-              <a:ext uri="{FF2B5EF4-FFF2-40B4-BE49-F238E27FC236}">
-                <a16:creationId xmlns:a16="http://schemas.microsoft.com/office/drawing/2014/main" id="{0EE597DE-AAF5-4481-908A-BC2454981239}"/>
-              </a:ext>
-            </a:extLst>
-          </p:cNvPr>
-          <p:cNvSpPr txBox="1"/>
-          <p:nvPr/>
-        </p:nvSpPr>
-        <p:spPr>
-          <a:xfrm>
-            <a:off x="7031037" y="2756005"/>
-            <a:ext cx="2112963" cy="707886"/>
-          </a:xfrm>
-          <a:prstGeom prst="rect">
-            <a:avLst/>
-          </a:prstGeom>
-          <a:noFill/>
-        </p:spPr>
-        <p:txBody>
-          <a:bodyPr wrap="square" rtlCol="0">
-            <a:spAutoFit/>
-          </a:bodyPr>
-          <a:lstStyle/>
-          <a:p>
-            <a:r>
-              <a:rPr lang="en-US" sz="1000" dirty="0">
-                <a:latin typeface="Tahoma" panose="020B0604030504040204" pitchFamily="34" charset="0"/>
-                <a:ea typeface="Tahoma" panose="020B0604030504040204" pitchFamily="34" charset="0"/>
-                <a:cs typeface="Tahoma" panose="020B0604030504040204" pitchFamily="34" charset="0"/>
-              </a:rPr>
-              <a:t>Image credit: Bruce </a:t>
-            </a:r>
-            <a:r>
-              <a:rPr lang="en-US" sz="1000" dirty="0" err="1">
-                <a:latin typeface="Tahoma" panose="020B0604030504040204" pitchFamily="34" charset="0"/>
-                <a:ea typeface="Tahoma" panose="020B0604030504040204" pitchFamily="34" charset="0"/>
-                <a:cs typeface="Tahoma" panose="020B0604030504040204" pitchFamily="34" charset="0"/>
-              </a:rPr>
-              <a:t>Gluckman</a:t>
-            </a:r>
-            <a:r>
-              <a:rPr lang="en-US" sz="1000" dirty="0">
-                <a:latin typeface="Tahoma" panose="020B0604030504040204" pitchFamily="34" charset="0"/>
-                <a:ea typeface="Tahoma" panose="020B0604030504040204" pitchFamily="34" charset="0"/>
-                <a:cs typeface="Tahoma" panose="020B0604030504040204" pitchFamily="34" charset="0"/>
-              </a:rPr>
-              <a:t>, “Spreading Depolarization Happens Spontaneously in models of Epilepsy”</a:t>
-            </a:r>
-          </a:p>
-        </p:txBody>
-      </p:sp>
-    </p:spTree>
-    <p:extLst>
-      <p:ext uri="{BB962C8B-B14F-4D97-AF65-F5344CB8AC3E}">
-        <p14:creationId xmlns:p14="http://schemas.microsoft.com/office/powerpoint/2010/main" val="4130192993"/>
       </p:ext>
     </p:extLst>
   </p:cSld>
@@ -11121,7 +12089,7 @@
                 <a:ea typeface="Tahoma" panose="020B0604030504040204" pitchFamily="34" charset="0"/>
                 <a:cs typeface="Tahoma" panose="020B0604030504040204" pitchFamily="34" charset="0"/>
               </a:rPr>
-              <a:t>WIFI interface to send raw and processed data out wireless.</a:t>
+              <a:t>WIFI interface to send raw and processed data out wirelessly.</a:t>
             </a:r>
           </a:p>
           <a:p>
@@ -11285,46 +12253,6 @@
         <p:spPr bwMode="auto">
           <a:xfrm>
             <a:off x="2718224" y="4151150"/>
-            <a:ext cx="731520" cy="0"/>
-          </a:xfrm>
-          <a:prstGeom prst="straightConnector1">
-            <a:avLst/>
-          </a:prstGeom>
-          <a:ln>
-            <a:headEnd type="none" w="med" len="med"/>
-            <a:tailEnd type="triangle"/>
-          </a:ln>
-        </p:spPr>
-        <p:style>
-          <a:lnRef idx="3">
-            <a:schemeClr val="dk1"/>
-          </a:lnRef>
-          <a:fillRef idx="0">
-            <a:schemeClr val="dk1"/>
-          </a:fillRef>
-          <a:effectRef idx="2">
-            <a:schemeClr val="dk1"/>
-          </a:effectRef>
-          <a:fontRef idx="minor">
-            <a:schemeClr val="tx1"/>
-          </a:fontRef>
-        </p:style>
-      </p:cxnSp>
-      <p:cxnSp>
-        <p:nvCxnSpPr>
-          <p:cNvPr id="11" name="Straight Arrow Connector 10">
-            <a:extLst>
-              <a:ext uri="{FF2B5EF4-FFF2-40B4-BE49-F238E27FC236}">
-                <a16:creationId xmlns:a16="http://schemas.microsoft.com/office/drawing/2014/main" id="{77F6593E-4ECF-40E1-99B3-F4981813799E}"/>
-              </a:ext>
-            </a:extLst>
-          </p:cNvPr>
-          <p:cNvCxnSpPr/>
-          <p:nvPr/>
-        </p:nvCxnSpPr>
-        <p:spPr bwMode="auto">
-          <a:xfrm>
-            <a:off x="5554691" y="4151150"/>
             <a:ext cx="731520" cy="0"/>
           </a:xfrm>
           <a:prstGeom prst="straightConnector1">
@@ -11698,7 +12626,7 @@
         </p:blipFill>
         <p:spPr>
           <a:xfrm>
-            <a:off x="0" y="3213549"/>
+            <a:off x="0" y="3200400"/>
             <a:ext cx="1467450" cy="1251916"/>
           </a:xfrm>
           <a:prstGeom prst="rect">
@@ -11934,12 +12862,74 @@
           </a:fontRef>
         </p:style>
       </p:cxnSp>
+    </p:spTree>
+    <p:extLst>
+      <p:ext uri="{BB962C8B-B14F-4D97-AF65-F5344CB8AC3E}">
+        <p14:creationId xmlns:p14="http://schemas.microsoft.com/office/powerpoint/2010/main" val="2629851818"/>
+      </p:ext>
+    </p:extLst>
+  </p:cSld>
+  <p:clrMapOvr>
+    <a:masterClrMapping/>
+  </p:clrMapOvr>
+</p:sld>
+</file>
+
+<file path=ppt/slides/slide7.xml><?xml version="1.0" encoding="utf-8"?>
+<p:sld xmlns:a="http://schemas.openxmlformats.org/drawingml/2006/main" xmlns:r="http://schemas.openxmlformats.org/officeDocument/2006/relationships" xmlns:p="http://schemas.openxmlformats.org/presentationml/2006/main">
+  <p:cSld>
+    <p:spTree>
+      <p:nvGrpSpPr>
+        <p:cNvPr id="1" name=""/>
+        <p:cNvGrpSpPr/>
+        <p:nvPr/>
+      </p:nvGrpSpPr>
+      <p:grpSpPr>
+        <a:xfrm>
+          <a:off x="0" y="0"/>
+          <a:ext cx="0" cy="0"/>
+          <a:chOff x="0" y="0"/>
+          <a:chExt cx="0" cy="0"/>
+        </a:xfrm>
+      </p:grpSpPr>
+      <p:sp>
+        <p:nvSpPr>
+          <p:cNvPr id="2" name="Title 1">
+            <a:extLst>
+              <a:ext uri="{FF2B5EF4-FFF2-40B4-BE49-F238E27FC236}">
+                <a16:creationId xmlns:a16="http://schemas.microsoft.com/office/drawing/2014/main" id="{33E8D874-967E-4B4B-942E-6914B97E99B4}"/>
+              </a:ext>
+            </a:extLst>
+          </p:cNvPr>
+          <p:cNvSpPr>
+            <a:spLocks noGrp="1"/>
+          </p:cNvSpPr>
+          <p:nvPr>
+            <p:ph type="title"/>
+          </p:nvPr>
+        </p:nvSpPr>
+        <p:spPr/>
+        <p:txBody>
+          <a:bodyPr/>
+          <a:lstStyle/>
+          <a:p>
+            <a:r>
+              <a:rPr lang="en-US" dirty="0">
+                <a:latin typeface="Tahoma" panose="020B0604030504040204" pitchFamily="34" charset="0"/>
+                <a:ea typeface="Tahoma" panose="020B0604030504040204" pitchFamily="34" charset="0"/>
+                <a:cs typeface="Tahoma" panose="020B0604030504040204" pitchFamily="34" charset="0"/>
+              </a:rPr>
+              <a:t>Pulse Oximetry Concept</a:t>
+            </a:r>
+          </a:p>
+        </p:txBody>
+      </p:sp>
       <p:pic>
         <p:nvPicPr>
-          <p:cNvPr id="17" name="Picture 14">
+          <p:cNvPr id="4" name="Picture 181" descr="Image result for pulse oximetry">
             <a:extLst>
               <a:ext uri="{FF2B5EF4-FFF2-40B4-BE49-F238E27FC236}">
-                <a16:creationId xmlns:a16="http://schemas.microsoft.com/office/drawing/2014/main" id="{2C3FD912-CAE4-4888-A63F-4787CB126907}"/>
+                <a16:creationId xmlns:a16="http://schemas.microsoft.com/office/drawing/2014/main" id="{E8D3EA5D-5DD2-4697-8F75-B65164F5A116}"/>
               </a:ext>
             </a:extLst>
           </p:cNvPr>
@@ -11949,22 +12939,142 @@
           <p:nvPr/>
         </p:nvPicPr>
         <p:blipFill>
-          <a:blip r:embed="rId8">
+          <a:blip r:embed="rId2">
             <a:extLst>
               <a:ext uri="{28A0092B-C50C-407E-A947-70E740481C1C}">
                 <a14:useLocalDpi xmlns:a14="http://schemas.microsoft.com/office/drawing/2010/main" val="0"/>
               </a:ext>
             </a:extLst>
           </a:blip>
-          <a:srcRect r="-1328" b="89105"/>
+          <a:srcRect/>
           <a:stretch>
             <a:fillRect/>
           </a:stretch>
         </p:blipFill>
         <p:spPr bwMode="auto">
           <a:xfrm>
-            <a:off x="835025" y="20254913"/>
-            <a:ext cx="15741650" cy="2190750"/>
+            <a:off x="0" y="1616075"/>
+            <a:ext cx="3429000" cy="1409700"/>
+          </a:xfrm>
+          <a:prstGeom prst="rect">
+            <a:avLst/>
+          </a:prstGeom>
+          <a:noFill/>
+          <a:ln>
+            <a:noFill/>
+          </a:ln>
+          <a:extLst>
+            <a:ext uri="{909E8E84-426E-40DD-AFC4-6F175D3DCCD1}">
+              <a14:hiddenFill xmlns:a14="http://schemas.microsoft.com/office/drawing/2010/main">
+                <a:solidFill>
+                  <a:srgbClr val="FFFFFF"/>
+                </a:solidFill>
+              </a14:hiddenFill>
+            </a:ext>
+            <a:ext uri="{91240B29-F687-4F45-9708-019B960494DF}">
+              <a14:hiddenLine xmlns:a14="http://schemas.microsoft.com/office/drawing/2010/main" w="9525">
+                <a:solidFill>
+                  <a:srgbClr val="000000"/>
+                </a:solidFill>
+                <a:miter lim="800000"/>
+                <a:headEnd/>
+                <a:tailEnd/>
+              </a14:hiddenLine>
+            </a:ext>
+          </a:extLst>
+        </p:spPr>
+      </p:pic>
+      <p:pic>
+        <p:nvPicPr>
+          <p:cNvPr id="5" name="Picture 2">
+            <a:extLst>
+              <a:ext uri="{FF2B5EF4-FFF2-40B4-BE49-F238E27FC236}">
+                <a16:creationId xmlns:a16="http://schemas.microsoft.com/office/drawing/2014/main" id="{4E9A8A02-CE37-4512-B92C-AFF911760474}"/>
+              </a:ext>
+            </a:extLst>
+          </p:cNvPr>
+          <p:cNvPicPr>
+            <a:picLocks noChangeAspect="1" noChangeArrowheads="1"/>
+          </p:cNvPicPr>
+          <p:nvPr/>
+        </p:nvPicPr>
+        <p:blipFill>
+          <a:blip r:embed="rId3">
+            <a:extLst>
+              <a:ext uri="{28A0092B-C50C-407E-A947-70E740481C1C}">
+                <a14:useLocalDpi xmlns:a14="http://schemas.microsoft.com/office/drawing/2010/main" val="0"/>
+              </a:ext>
+            </a:extLst>
+          </a:blip>
+          <a:srcRect/>
+          <a:stretch>
+            <a:fillRect/>
+          </a:stretch>
+        </p:blipFill>
+        <p:spPr bwMode="auto">
+          <a:xfrm>
+            <a:off x="2438400" y="3224212"/>
+            <a:ext cx="3199338" cy="2428875"/>
+          </a:xfrm>
+          <a:prstGeom prst="rect">
+            <a:avLst/>
+          </a:prstGeom>
+          <a:noFill/>
+          <a:ln>
+            <a:noFill/>
+          </a:ln>
+          <a:extLst>
+            <a:ext uri="{909E8E84-426E-40DD-AFC4-6F175D3DCCD1}">
+              <a14:hiddenFill xmlns:a14="http://schemas.microsoft.com/office/drawing/2010/main">
+                <a:solidFill>
+                  <a:srgbClr val="FFFFFF"/>
+                </a:solidFill>
+              </a14:hiddenFill>
+            </a:ext>
+            <a:ext uri="{91240B29-F687-4F45-9708-019B960494DF}">
+              <a14:hiddenLine xmlns:a14="http://schemas.microsoft.com/office/drawing/2010/main" w="9525">
+                <a:solidFill>
+                  <a:srgbClr val="000000"/>
+                </a:solidFill>
+                <a:miter lim="800000"/>
+                <a:headEnd/>
+                <a:tailEnd/>
+              </a14:hiddenLine>
+            </a:ext>
+          </a:extLst>
+        </p:spPr>
+      </p:pic>
+      <p:pic>
+        <p:nvPicPr>
+          <p:cNvPr id="6" name="Picture 4">
+            <a:extLst>
+              <a:ext uri="{FF2B5EF4-FFF2-40B4-BE49-F238E27FC236}">
+                <a16:creationId xmlns:a16="http://schemas.microsoft.com/office/drawing/2014/main" id="{A64E28FE-03A2-434F-88B1-4603405D7C4D}"/>
+              </a:ext>
+            </a:extLst>
+          </p:cNvPr>
+          <p:cNvPicPr>
+            <a:picLocks noChangeAspect="1" noChangeArrowheads="1"/>
+          </p:cNvPicPr>
+          <p:nvPr/>
+        </p:nvPicPr>
+        <p:blipFill>
+          <a:blip r:embed="rId4">
+            <a:extLst>
+              <a:ext uri="{28A0092B-C50C-407E-A947-70E740481C1C}">
+                <a14:useLocalDpi xmlns:a14="http://schemas.microsoft.com/office/drawing/2010/main" val="0"/>
+              </a:ext>
+            </a:extLst>
+          </a:blip>
+          <a:srcRect/>
+          <a:stretch>
+            <a:fillRect/>
+          </a:stretch>
+        </p:blipFill>
+        <p:spPr bwMode="auto">
+          <a:xfrm>
+            <a:off x="5867400" y="2514600"/>
+            <a:ext cx="3019425" cy="2428875"/>
           </a:xfrm>
           <a:prstGeom prst="rect">
             <a:avLst/>
@@ -11997,7 +13107,7 @@
     </p:spTree>
     <p:extLst>
       <p:ext uri="{BB962C8B-B14F-4D97-AF65-F5344CB8AC3E}">
-        <p14:creationId xmlns:p14="http://schemas.microsoft.com/office/powerpoint/2010/main" val="2629851818"/>
+        <p14:creationId xmlns:p14="http://schemas.microsoft.com/office/powerpoint/2010/main" val="257642920"/>
       </p:ext>
     </p:extLst>
   </p:cSld>
@@ -12007,7 +13117,7 @@
 </p:sld>
 </file>
 
-<file path=ppt/slides/slide7.xml><?xml version="1.0" encoding="utf-8"?>
+<file path=ppt/slides/slide8.xml><?xml version="1.0" encoding="utf-8"?>
 <p:sld xmlns:a="http://schemas.openxmlformats.org/drawingml/2006/main" xmlns:r="http://schemas.openxmlformats.org/officeDocument/2006/relationships" xmlns:p="http://schemas.openxmlformats.org/presentationml/2006/main">
   <p:cSld>
     <p:spTree>
@@ -13411,7 +14521,7 @@
 </p:sld>
 </file>
 
-<file path=ppt/slides/slide8.xml><?xml version="1.0" encoding="utf-8"?>
+<file path=ppt/slides/slide9.xml><?xml version="1.0" encoding="utf-8"?>
 <p:sld xmlns:a="http://schemas.openxmlformats.org/drawingml/2006/main" xmlns:r="http://schemas.openxmlformats.org/officeDocument/2006/relationships" xmlns:p="http://schemas.openxmlformats.org/presentationml/2006/main">
   <p:cSld>
     <p:spTree>
@@ -13537,248 +14647,6 @@
     <p:extLst>
       <p:ext uri="{BB962C8B-B14F-4D97-AF65-F5344CB8AC3E}">
         <p14:creationId xmlns:p14="http://schemas.microsoft.com/office/powerpoint/2010/main" val="3987940676"/>
-      </p:ext>
-    </p:extLst>
-  </p:cSld>
-  <p:clrMapOvr>
-    <a:masterClrMapping/>
-  </p:clrMapOvr>
-</p:sld>
-</file>
-
-<file path=ppt/slides/slide9.xml><?xml version="1.0" encoding="utf-8"?>
-<p:sld xmlns:a="http://schemas.openxmlformats.org/drawingml/2006/main" xmlns:r="http://schemas.openxmlformats.org/officeDocument/2006/relationships" xmlns:p="http://schemas.openxmlformats.org/presentationml/2006/main">
-  <p:cSld>
-    <p:spTree>
-      <p:nvGrpSpPr>
-        <p:cNvPr id="1" name=""/>
-        <p:cNvGrpSpPr/>
-        <p:nvPr/>
-      </p:nvGrpSpPr>
-      <p:grpSpPr>
-        <a:xfrm>
-          <a:off x="0" y="0"/>
-          <a:ext cx="0" cy="0"/>
-          <a:chOff x="0" y="0"/>
-          <a:chExt cx="0" cy="0"/>
-        </a:xfrm>
-      </p:grpSpPr>
-      <p:sp>
-        <p:nvSpPr>
-          <p:cNvPr id="2" name="Title 1">
-            <a:extLst>
-              <a:ext uri="{FF2B5EF4-FFF2-40B4-BE49-F238E27FC236}">
-                <a16:creationId xmlns:a16="http://schemas.microsoft.com/office/drawing/2014/main" id="{33E8D874-967E-4B4B-942E-6914B97E99B4}"/>
-              </a:ext>
-            </a:extLst>
-          </p:cNvPr>
-          <p:cNvSpPr>
-            <a:spLocks noGrp="1"/>
-          </p:cNvSpPr>
-          <p:nvPr>
-            <p:ph type="title"/>
-          </p:nvPr>
-        </p:nvSpPr>
-        <p:spPr/>
-        <p:txBody>
-          <a:bodyPr/>
-          <a:lstStyle/>
-          <a:p>
-            <a:r>
-              <a:rPr lang="en-US" dirty="0">
-                <a:latin typeface="Tahoma" panose="020B0604030504040204" pitchFamily="34" charset="0"/>
-                <a:ea typeface="Tahoma" panose="020B0604030504040204" pitchFamily="34" charset="0"/>
-                <a:cs typeface="Tahoma" panose="020B0604030504040204" pitchFamily="34" charset="0"/>
-              </a:rPr>
-              <a:t>Pulse Oximetry Concept</a:t>
-            </a:r>
-          </a:p>
-        </p:txBody>
-      </p:sp>
-      <p:pic>
-        <p:nvPicPr>
-          <p:cNvPr id="4" name="Picture 181" descr="Image result for pulse oximetry">
-            <a:extLst>
-              <a:ext uri="{FF2B5EF4-FFF2-40B4-BE49-F238E27FC236}">
-                <a16:creationId xmlns:a16="http://schemas.microsoft.com/office/drawing/2014/main" id="{E8D3EA5D-5DD2-4697-8F75-B65164F5A116}"/>
-              </a:ext>
-            </a:extLst>
-          </p:cNvPr>
-          <p:cNvPicPr>
-            <a:picLocks noChangeAspect="1" noChangeArrowheads="1"/>
-          </p:cNvPicPr>
-          <p:nvPr/>
-        </p:nvPicPr>
-        <p:blipFill>
-          <a:blip r:embed="rId2">
-            <a:extLst>
-              <a:ext uri="{28A0092B-C50C-407E-A947-70E740481C1C}">
-                <a14:useLocalDpi xmlns:a14="http://schemas.microsoft.com/office/drawing/2010/main" val="0"/>
-              </a:ext>
-            </a:extLst>
-          </a:blip>
-          <a:srcRect/>
-          <a:stretch>
-            <a:fillRect/>
-          </a:stretch>
-        </p:blipFill>
-        <p:spPr bwMode="auto">
-          <a:xfrm>
-            <a:off x="0" y="1616075"/>
-            <a:ext cx="3429000" cy="1409700"/>
-          </a:xfrm>
-          <a:prstGeom prst="rect">
-            <a:avLst/>
-          </a:prstGeom>
-          <a:noFill/>
-          <a:ln>
-            <a:noFill/>
-          </a:ln>
-          <a:extLst>
-            <a:ext uri="{909E8E84-426E-40DD-AFC4-6F175D3DCCD1}">
-              <a14:hiddenFill xmlns:a14="http://schemas.microsoft.com/office/drawing/2010/main">
-                <a:solidFill>
-                  <a:srgbClr val="FFFFFF"/>
-                </a:solidFill>
-              </a14:hiddenFill>
-            </a:ext>
-            <a:ext uri="{91240B29-F687-4F45-9708-019B960494DF}">
-              <a14:hiddenLine xmlns:a14="http://schemas.microsoft.com/office/drawing/2010/main" w="9525">
-                <a:solidFill>
-                  <a:srgbClr val="000000"/>
-                </a:solidFill>
-                <a:miter lim="800000"/>
-                <a:headEnd/>
-                <a:tailEnd/>
-              </a14:hiddenLine>
-            </a:ext>
-          </a:extLst>
-        </p:spPr>
-      </p:pic>
-      <p:pic>
-        <p:nvPicPr>
-          <p:cNvPr id="5" name="Picture 2">
-            <a:extLst>
-              <a:ext uri="{FF2B5EF4-FFF2-40B4-BE49-F238E27FC236}">
-                <a16:creationId xmlns:a16="http://schemas.microsoft.com/office/drawing/2014/main" id="{4E9A8A02-CE37-4512-B92C-AFF911760474}"/>
-              </a:ext>
-            </a:extLst>
-          </p:cNvPr>
-          <p:cNvPicPr>
-            <a:picLocks noChangeAspect="1" noChangeArrowheads="1"/>
-          </p:cNvPicPr>
-          <p:nvPr/>
-        </p:nvPicPr>
-        <p:blipFill>
-          <a:blip r:embed="rId3">
-            <a:extLst>
-              <a:ext uri="{28A0092B-C50C-407E-A947-70E740481C1C}">
-                <a14:useLocalDpi xmlns:a14="http://schemas.microsoft.com/office/drawing/2010/main" val="0"/>
-              </a:ext>
-            </a:extLst>
-          </a:blip>
-          <a:srcRect/>
-          <a:stretch>
-            <a:fillRect/>
-          </a:stretch>
-        </p:blipFill>
-        <p:spPr bwMode="auto">
-          <a:xfrm>
-            <a:off x="2438400" y="3224212"/>
-            <a:ext cx="3199338" cy="2428875"/>
-          </a:xfrm>
-          <a:prstGeom prst="rect">
-            <a:avLst/>
-          </a:prstGeom>
-          <a:noFill/>
-          <a:ln>
-            <a:noFill/>
-          </a:ln>
-          <a:extLst>
-            <a:ext uri="{909E8E84-426E-40DD-AFC4-6F175D3DCCD1}">
-              <a14:hiddenFill xmlns:a14="http://schemas.microsoft.com/office/drawing/2010/main">
-                <a:solidFill>
-                  <a:srgbClr val="FFFFFF"/>
-                </a:solidFill>
-              </a14:hiddenFill>
-            </a:ext>
-            <a:ext uri="{91240B29-F687-4F45-9708-019B960494DF}">
-              <a14:hiddenLine xmlns:a14="http://schemas.microsoft.com/office/drawing/2010/main" w="9525">
-                <a:solidFill>
-                  <a:srgbClr val="000000"/>
-                </a:solidFill>
-                <a:miter lim="800000"/>
-                <a:headEnd/>
-                <a:tailEnd/>
-              </a14:hiddenLine>
-            </a:ext>
-          </a:extLst>
-        </p:spPr>
-      </p:pic>
-      <p:pic>
-        <p:nvPicPr>
-          <p:cNvPr id="6" name="Picture 4">
-            <a:extLst>
-              <a:ext uri="{FF2B5EF4-FFF2-40B4-BE49-F238E27FC236}">
-                <a16:creationId xmlns:a16="http://schemas.microsoft.com/office/drawing/2014/main" id="{A64E28FE-03A2-434F-88B1-4603405D7C4D}"/>
-              </a:ext>
-            </a:extLst>
-          </p:cNvPr>
-          <p:cNvPicPr>
-            <a:picLocks noChangeAspect="1" noChangeArrowheads="1"/>
-          </p:cNvPicPr>
-          <p:nvPr/>
-        </p:nvPicPr>
-        <p:blipFill>
-          <a:blip r:embed="rId4">
-            <a:extLst>
-              <a:ext uri="{28A0092B-C50C-407E-A947-70E740481C1C}">
-                <a14:useLocalDpi xmlns:a14="http://schemas.microsoft.com/office/drawing/2010/main" val="0"/>
-              </a:ext>
-            </a:extLst>
-          </a:blip>
-          <a:srcRect/>
-          <a:stretch>
-            <a:fillRect/>
-          </a:stretch>
-        </p:blipFill>
-        <p:spPr bwMode="auto">
-          <a:xfrm>
-            <a:off x="5867400" y="2514600"/>
-            <a:ext cx="3019425" cy="2428875"/>
-          </a:xfrm>
-          <a:prstGeom prst="rect">
-            <a:avLst/>
-          </a:prstGeom>
-          <a:noFill/>
-          <a:ln>
-            <a:noFill/>
-          </a:ln>
-          <a:extLst>
-            <a:ext uri="{909E8E84-426E-40DD-AFC4-6F175D3DCCD1}">
-              <a14:hiddenFill xmlns:a14="http://schemas.microsoft.com/office/drawing/2010/main">
-                <a:solidFill>
-                  <a:srgbClr val="FFFFFF"/>
-                </a:solidFill>
-              </a14:hiddenFill>
-            </a:ext>
-            <a:ext uri="{91240B29-F687-4F45-9708-019B960494DF}">
-              <a14:hiddenLine xmlns:a14="http://schemas.microsoft.com/office/drawing/2010/main" w="9525">
-                <a:solidFill>
-                  <a:srgbClr val="000000"/>
-                </a:solidFill>
-                <a:miter lim="800000"/>
-                <a:headEnd/>
-                <a:tailEnd/>
-              </a14:hiddenLine>
-            </a:ext>
-          </a:extLst>
-        </p:spPr>
-      </p:pic>
-    </p:spTree>
-    <p:extLst>
-      <p:ext uri="{BB962C8B-B14F-4D97-AF65-F5344CB8AC3E}">
-        <p14:creationId xmlns:p14="http://schemas.microsoft.com/office/powerpoint/2010/main" val="257642920"/>
       </p:ext>
     </p:extLst>
   </p:cSld>

--- a/capstone.pptx
+++ b/capstone.pptx
@@ -7,9 +7,9 @@
   <p:sldIdLst>
     <p:sldId id="256" r:id="rId2"/>
     <p:sldId id="257" r:id="rId3"/>
-    <p:sldId id="258" r:id="rId4"/>
-    <p:sldId id="259" r:id="rId5"/>
-    <p:sldId id="260" r:id="rId6"/>
+    <p:sldId id="260" r:id="rId4"/>
+    <p:sldId id="258" r:id="rId5"/>
+    <p:sldId id="259" r:id="rId6"/>
     <p:sldId id="261" r:id="rId7"/>
     <p:sldId id="271" r:id="rId8"/>
     <p:sldId id="262" r:id="rId9"/>
@@ -24,13 +24,14 @@
     <p:sldId id="274" r:id="rId18"/>
     <p:sldId id="275" r:id="rId19"/>
     <p:sldId id="278" r:id="rId20"/>
-    <p:sldId id="267" r:id="rId21"/>
-    <p:sldId id="265" r:id="rId22"/>
-    <p:sldId id="266" r:id="rId23"/>
-    <p:sldId id="279" r:id="rId24"/>
-    <p:sldId id="281" r:id="rId25"/>
-    <p:sldId id="268" r:id="rId26"/>
-    <p:sldId id="270" r:id="rId27"/>
+    <p:sldId id="282" r:id="rId21"/>
+    <p:sldId id="267" r:id="rId22"/>
+    <p:sldId id="265" r:id="rId23"/>
+    <p:sldId id="266" r:id="rId24"/>
+    <p:sldId id="279" r:id="rId25"/>
+    <p:sldId id="281" r:id="rId26"/>
+    <p:sldId id="268" r:id="rId27"/>
+    <p:sldId id="270" r:id="rId28"/>
   </p:sldIdLst>
   <p:sldSz cx="9144000" cy="6858000" type="screen4x3"/>
   <p:notesSz cx="6858000" cy="9144000"/>
@@ -9689,49 +9690,12 @@
           <a:lstStyle/>
           <a:p>
             <a:r>
-              <a:rPr lang="en-US" dirty="0">
+              <a:rPr lang="en-US" sz="3600" dirty="0">
                 <a:latin typeface="Tahoma" panose="020B0604030504040204" pitchFamily="34" charset="0"/>
                 <a:ea typeface="Tahoma" panose="020B0604030504040204" pitchFamily="34" charset="0"/>
                 <a:cs typeface="Tahoma" panose="020B0604030504040204" pitchFamily="34" charset="0"/>
               </a:rPr>
-              <a:t>Subsystem 0</a:t>
-            </a:r>
-          </a:p>
-        </p:txBody>
-      </p:sp>
-      <p:sp>
-        <p:nvSpPr>
-          <p:cNvPr id="3" name="Content Placeholder 2">
-            <a:extLst>
-              <a:ext uri="{FF2B5EF4-FFF2-40B4-BE49-F238E27FC236}">
-                <a16:creationId xmlns:a16="http://schemas.microsoft.com/office/drawing/2014/main" id="{9E1E32CE-FFC1-400C-9042-060B60FE1C49}"/>
-              </a:ext>
-            </a:extLst>
-          </p:cNvPr>
-          <p:cNvSpPr>
-            <a:spLocks noGrp="1"/>
-          </p:cNvSpPr>
-          <p:nvPr>
-            <p:ph idx="1"/>
-          </p:nvPr>
-        </p:nvSpPr>
-        <p:spPr>
-          <a:xfrm>
-            <a:off x="457200" y="1295400"/>
-            <a:ext cx="8229600" cy="4525963"/>
-          </a:xfrm>
-        </p:spPr>
-        <p:txBody>
-          <a:bodyPr/>
-          <a:lstStyle/>
-          <a:p>
-            <a:r>
-              <a:rPr lang="en-US" dirty="0">
-                <a:latin typeface="Tahoma" panose="020B0604030504040204" pitchFamily="34" charset="0"/>
-                <a:ea typeface="Tahoma" panose="020B0604030504040204" pitchFamily="34" charset="0"/>
-                <a:cs typeface="Tahoma" panose="020B0604030504040204" pitchFamily="34" charset="0"/>
-              </a:rPr>
-              <a:t>Front End Configuration</a:t>
+              <a:t>How Do We Pull Analog Information from the Animal and Convert it to Digital Information? (Subsystem 0)</a:t>
             </a:r>
           </a:p>
         </p:txBody>
@@ -10231,12 +10195,12 @@
           <a:lstStyle/>
           <a:p>
             <a:r>
-              <a:rPr lang="en-US" dirty="0">
+              <a:rPr lang="en-US" sz="3600" dirty="0">
                 <a:latin typeface="Tahoma" panose="020B0604030504040204" pitchFamily="34" charset="0"/>
                 <a:ea typeface="Tahoma" panose="020B0604030504040204" pitchFamily="34" charset="0"/>
                 <a:cs typeface="Tahoma" panose="020B0604030504040204" pitchFamily="34" charset="0"/>
               </a:rPr>
-              <a:t>Subsystem I</a:t>
+              <a:t>How Do We Get Data from the AFE4490? (Subsystem I)</a:t>
             </a:r>
           </a:p>
         </p:txBody>
@@ -10945,6 +10909,100 @@
           <p:cNvPr id="2" name="Title 1">
             <a:extLst>
               <a:ext uri="{FF2B5EF4-FFF2-40B4-BE49-F238E27FC236}">
+                <a16:creationId xmlns:a16="http://schemas.microsoft.com/office/drawing/2014/main" id="{07921FD2-9E81-436C-9AB1-423956F42B51}"/>
+              </a:ext>
+            </a:extLst>
+          </p:cNvPr>
+          <p:cNvSpPr>
+            <a:spLocks noGrp="1"/>
+          </p:cNvSpPr>
+          <p:nvPr>
+            <p:ph type="title"/>
+          </p:nvPr>
+        </p:nvSpPr>
+        <p:spPr/>
+        <p:txBody>
+          <a:bodyPr/>
+          <a:lstStyle/>
+          <a:p>
+            <a:r>
+              <a:rPr lang="en-US" dirty="0">
+                <a:latin typeface="Tahoma" panose="020B0604030504040204" pitchFamily="34" charset="0"/>
+                <a:ea typeface="Tahoma" panose="020B0604030504040204" pitchFamily="34" charset="0"/>
+                <a:cs typeface="Tahoma" panose="020B0604030504040204" pitchFamily="34" charset="0"/>
+              </a:rPr>
+              <a:t>What does our incoming data look like?</a:t>
+            </a:r>
+          </a:p>
+        </p:txBody>
+      </p:sp>
+      <p:pic>
+        <p:nvPicPr>
+          <p:cNvPr id="4" name="Content Placeholder 3">
+            <a:extLst>
+              <a:ext uri="{FF2B5EF4-FFF2-40B4-BE49-F238E27FC236}">
+                <a16:creationId xmlns:a16="http://schemas.microsoft.com/office/drawing/2014/main" id="{86057597-7222-40D8-921F-BE867F97B03C}"/>
+              </a:ext>
+            </a:extLst>
+          </p:cNvPr>
+          <p:cNvPicPr>
+            <a:picLocks noGrp="1" noChangeAspect="1"/>
+          </p:cNvPicPr>
+          <p:nvPr>
+            <p:ph idx="1"/>
+          </p:nvPr>
+        </p:nvPicPr>
+        <p:blipFill>
+          <a:blip r:embed="rId2"/>
+          <a:stretch>
+            <a:fillRect/>
+          </a:stretch>
+        </p:blipFill>
+        <p:spPr>
+          <a:xfrm>
+            <a:off x="1252537" y="2414587"/>
+            <a:ext cx="6638925" cy="2028825"/>
+          </a:xfrm>
+          <a:prstGeom prst="rect">
+            <a:avLst/>
+          </a:prstGeom>
+        </p:spPr>
+      </p:pic>
+    </p:spTree>
+    <p:extLst>
+      <p:ext uri="{BB962C8B-B14F-4D97-AF65-F5344CB8AC3E}">
+        <p14:creationId xmlns:p14="http://schemas.microsoft.com/office/powerpoint/2010/main" val="3207799781"/>
+      </p:ext>
+    </p:extLst>
+  </p:cSld>
+  <p:clrMapOvr>
+    <a:masterClrMapping/>
+  </p:clrMapOvr>
+</p:sld>
+</file>
+
+<file path=ppt/slides/slide21.xml><?xml version="1.0" encoding="utf-8"?>
+<p:sld xmlns:a="http://schemas.openxmlformats.org/drawingml/2006/main" xmlns:r="http://schemas.openxmlformats.org/officeDocument/2006/relationships" xmlns:p="http://schemas.openxmlformats.org/presentationml/2006/main">
+  <p:cSld>
+    <p:spTree>
+      <p:nvGrpSpPr>
+        <p:cNvPr id="1" name=""/>
+        <p:cNvGrpSpPr/>
+        <p:nvPr/>
+      </p:nvGrpSpPr>
+      <p:grpSpPr>
+        <a:xfrm>
+          <a:off x="0" y="0"/>
+          <a:ext cx="0" cy="0"/>
+          <a:chOff x="0" y="0"/>
+          <a:chExt cx="0" cy="0"/>
+        </a:xfrm>
+      </p:grpSpPr>
+      <p:sp>
+        <p:nvSpPr>
+          <p:cNvPr id="2" name="Title 1">
+            <a:extLst>
+              <a:ext uri="{FF2B5EF4-FFF2-40B4-BE49-F238E27FC236}">
                 <a16:creationId xmlns:a16="http://schemas.microsoft.com/office/drawing/2014/main" id="{D3E5279B-B151-400A-91BB-4B361E527090}"/>
               </a:ext>
             </a:extLst>
@@ -11018,7 +11076,7 @@
 </p:sld>
 </file>
 
-<file path=ppt/slides/slide21.xml><?xml version="1.0" encoding="utf-8"?>
+<file path=ppt/slides/slide22.xml><?xml version="1.0" encoding="utf-8"?>
 <p:sld xmlns:a="http://schemas.openxmlformats.org/drawingml/2006/main" xmlns:r="http://schemas.openxmlformats.org/officeDocument/2006/relationships" xmlns:p="http://schemas.openxmlformats.org/presentationml/2006/main">
   <p:cSld>
     <p:spTree>
@@ -11057,12 +11115,12 @@
           <a:lstStyle/>
           <a:p>
             <a:r>
-              <a:rPr lang="en-US" dirty="0">
+              <a:rPr lang="en-US" sz="3600" dirty="0">
                 <a:latin typeface="Tahoma" panose="020B0604030504040204" pitchFamily="34" charset="0"/>
                 <a:ea typeface="Tahoma" panose="020B0604030504040204" pitchFamily="34" charset="0"/>
                 <a:cs typeface="Tahoma" panose="020B0604030504040204" pitchFamily="34" charset="0"/>
               </a:rPr>
-              <a:t>Subsystem II</a:t>
+              <a:t>How Do We Process this Data? (Subsystem II)</a:t>
             </a:r>
           </a:p>
         </p:txBody>
@@ -11112,7 +11170,7 @@
 </p:sld>
 </file>
 
-<file path=ppt/slides/slide22.xml><?xml version="1.0" encoding="utf-8"?>
+<file path=ppt/slides/slide23.xml><?xml version="1.0" encoding="utf-8"?>
 <p:sld xmlns:a="http://schemas.openxmlformats.org/drawingml/2006/main" xmlns:r="http://schemas.openxmlformats.org/officeDocument/2006/relationships" xmlns:p="http://schemas.openxmlformats.org/presentationml/2006/main">
   <p:cSld>
     <p:spTree>
@@ -11151,12 +11209,12 @@
           <a:lstStyle/>
           <a:p>
             <a:r>
-              <a:rPr lang="en-US" dirty="0">
+              <a:rPr lang="en-US" sz="3600" dirty="0">
                 <a:latin typeface="Tahoma" panose="020B0604030504040204" pitchFamily="34" charset="0"/>
                 <a:ea typeface="Tahoma" panose="020B0604030504040204" pitchFamily="34" charset="0"/>
                 <a:cs typeface="Tahoma" panose="020B0604030504040204" pitchFamily="34" charset="0"/>
               </a:rPr>
-              <a:t>Subsystem III</a:t>
+              <a:t>Where Does the Processed Data Go? (Subsystem III)</a:t>
             </a:r>
           </a:p>
         </p:txBody>
@@ -11236,7 +11294,7 @@
 </p:sld>
 </file>
 
-<file path=ppt/slides/slide23.xml><?xml version="1.0" encoding="utf-8"?>
+<file path=ppt/slides/slide24.xml><?xml version="1.0" encoding="utf-8"?>
 <p:sld xmlns:a="http://schemas.openxmlformats.org/drawingml/2006/main" xmlns:r="http://schemas.openxmlformats.org/officeDocument/2006/relationships" xmlns:p="http://schemas.openxmlformats.org/presentationml/2006/main">
   <p:cSld>
     <p:spTree>
@@ -11337,7 +11395,7 @@
 </p:sld>
 </file>
 
-<file path=ppt/slides/slide24.xml><?xml version="1.0" encoding="utf-8"?>
+<file path=ppt/slides/slide25.xml><?xml version="1.0" encoding="utf-8"?>
 <p:sld xmlns:a="http://schemas.openxmlformats.org/drawingml/2006/main" xmlns:r="http://schemas.openxmlformats.org/officeDocument/2006/relationships" xmlns:p="http://schemas.openxmlformats.org/presentationml/2006/main">
   <p:cSld>
     <p:spTree>
@@ -11429,7 +11487,7 @@
 </p:sld>
 </file>
 
-<file path=ppt/slides/slide25.xml><?xml version="1.0" encoding="utf-8"?>
+<file path=ppt/slides/slide26.xml><?xml version="1.0" encoding="utf-8"?>
 <p:sld xmlns:a="http://schemas.openxmlformats.org/drawingml/2006/main" xmlns:r="http://schemas.openxmlformats.org/officeDocument/2006/relationships" xmlns:p="http://schemas.openxmlformats.org/presentationml/2006/main">
   <p:cSld>
     <p:spTree>
@@ -11698,7 +11756,7 @@
 </p:sld>
 </file>
 
-<file path=ppt/slides/slide26.xml><?xml version="1.0" encoding="utf-8"?>
+<file path=ppt/slides/slide27.xml><?xml version="1.0" encoding="utf-8"?>
 <p:sld xmlns:a="http://schemas.openxmlformats.org/drawingml/2006/main" xmlns:r="http://schemas.openxmlformats.org/officeDocument/2006/relationships" xmlns:p="http://schemas.openxmlformats.org/presentationml/2006/main">
   <p:cSld>
     <p:spTree>
@@ -11828,306 +11886,6 @@
 </file>
 
 <file path=ppt/slides/slide3.xml><?xml version="1.0" encoding="utf-8"?>
-<p:sld xmlns:a="http://schemas.openxmlformats.org/drawingml/2006/main" xmlns:r="http://schemas.openxmlformats.org/officeDocument/2006/relationships" xmlns:p="http://schemas.openxmlformats.org/presentationml/2006/main">
-  <p:cSld>
-    <p:spTree>
-      <p:nvGrpSpPr>
-        <p:cNvPr id="1" name=""/>
-        <p:cNvGrpSpPr/>
-        <p:nvPr/>
-      </p:nvGrpSpPr>
-      <p:grpSpPr>
-        <a:xfrm>
-          <a:off x="0" y="0"/>
-          <a:ext cx="0" cy="0"/>
-          <a:chOff x="0" y="0"/>
-          <a:chExt cx="0" cy="0"/>
-        </a:xfrm>
-      </p:grpSpPr>
-      <p:sp>
-        <p:nvSpPr>
-          <p:cNvPr id="2" name="Title 1">
-            <a:extLst>
-              <a:ext uri="{FF2B5EF4-FFF2-40B4-BE49-F238E27FC236}">
-                <a16:creationId xmlns:a16="http://schemas.microsoft.com/office/drawing/2014/main" id="{09D0C395-4A0A-43C7-98EE-F64AE95E56ED}"/>
-              </a:ext>
-            </a:extLst>
-          </p:cNvPr>
-          <p:cNvSpPr>
-            <a:spLocks noGrp="1"/>
-          </p:cNvSpPr>
-          <p:nvPr>
-            <p:ph type="title"/>
-          </p:nvPr>
-        </p:nvSpPr>
-        <p:spPr/>
-        <p:txBody>
-          <a:bodyPr/>
-          <a:lstStyle/>
-          <a:p>
-            <a:r>
-              <a:rPr lang="en-US" dirty="0">
-                <a:latin typeface="Tahoma" panose="020B0604030504040204" pitchFamily="34" charset="0"/>
-                <a:ea typeface="Tahoma" panose="020B0604030504040204" pitchFamily="34" charset="0"/>
-                <a:cs typeface="Tahoma" panose="020B0604030504040204" pitchFamily="34" charset="0"/>
-              </a:rPr>
-              <a:t>Problem</a:t>
-            </a:r>
-          </a:p>
-        </p:txBody>
-      </p:sp>
-      <p:sp>
-        <p:nvSpPr>
-          <p:cNvPr id="3" name="Content Placeholder 2">
-            <a:extLst>
-              <a:ext uri="{FF2B5EF4-FFF2-40B4-BE49-F238E27FC236}">
-                <a16:creationId xmlns:a16="http://schemas.microsoft.com/office/drawing/2014/main" id="{1E306186-CE37-4B79-93DA-80A080F9F223}"/>
-              </a:ext>
-            </a:extLst>
-          </p:cNvPr>
-          <p:cNvSpPr>
-            <a:spLocks noGrp="1"/>
-          </p:cNvSpPr>
-          <p:nvPr>
-            <p:ph idx="1"/>
-          </p:nvPr>
-        </p:nvSpPr>
-        <p:spPr/>
-        <p:txBody>
-          <a:bodyPr/>
-          <a:lstStyle/>
-          <a:p>
-            <a:r>
-              <a:rPr lang="en-US" dirty="0">
-                <a:latin typeface="Tahoma" panose="020B0604030504040204" pitchFamily="34" charset="0"/>
-                <a:ea typeface="Tahoma" panose="020B0604030504040204" pitchFamily="34" charset="0"/>
-                <a:cs typeface="Tahoma" panose="020B0604030504040204" pitchFamily="34" charset="0"/>
-              </a:rPr>
-              <a:t>Neural Engineering Group wants…</a:t>
-            </a:r>
-          </a:p>
-          <a:p>
-            <a:pPr lvl="1"/>
-            <a:r>
-              <a:rPr lang="en-US" dirty="0">
-                <a:latin typeface="Tahoma" panose="020B0604030504040204" pitchFamily="34" charset="0"/>
-                <a:ea typeface="Tahoma" panose="020B0604030504040204" pitchFamily="34" charset="0"/>
-                <a:cs typeface="Tahoma" panose="020B0604030504040204" pitchFamily="34" charset="0"/>
-              </a:rPr>
-              <a:t>Increase # of peripherals</a:t>
-            </a:r>
-          </a:p>
-          <a:p>
-            <a:pPr lvl="2"/>
-            <a:r>
-              <a:rPr lang="en-US" dirty="0">
-                <a:latin typeface="Tahoma" panose="020B0604030504040204" pitchFamily="34" charset="0"/>
-                <a:ea typeface="Tahoma" panose="020B0604030504040204" pitchFamily="34" charset="0"/>
-                <a:cs typeface="Tahoma" panose="020B0604030504040204" pitchFamily="34" charset="0"/>
-              </a:rPr>
-              <a:t>Be able to interface in parallel</a:t>
-            </a:r>
-          </a:p>
-          <a:p>
-            <a:pPr lvl="1"/>
-            <a:r>
-              <a:rPr lang="en-US" dirty="0">
-                <a:latin typeface="Tahoma" panose="020B0604030504040204" pitchFamily="34" charset="0"/>
-                <a:ea typeface="Tahoma" panose="020B0604030504040204" pitchFamily="34" charset="0"/>
-                <a:cs typeface="Tahoma" panose="020B0604030504040204" pitchFamily="34" charset="0"/>
-              </a:rPr>
-              <a:t>Real time processing on board</a:t>
-            </a:r>
-          </a:p>
-          <a:p>
-            <a:pPr lvl="2"/>
-            <a:r>
-              <a:rPr lang="en-US" dirty="0">
-                <a:latin typeface="Tahoma" panose="020B0604030504040204" pitchFamily="34" charset="0"/>
-                <a:ea typeface="Tahoma" panose="020B0604030504040204" pitchFamily="34" charset="0"/>
-                <a:cs typeface="Tahoma" panose="020B0604030504040204" pitchFamily="34" charset="0"/>
-              </a:rPr>
-              <a:t>Be able to process multiple algorithms in parallel</a:t>
-            </a:r>
-          </a:p>
-          <a:p>
-            <a:pPr lvl="1"/>
-            <a:r>
-              <a:rPr lang="en-US" dirty="0">
-                <a:latin typeface="Tahoma" panose="020B0604030504040204" pitchFamily="34" charset="0"/>
-                <a:ea typeface="Tahoma" panose="020B0604030504040204" pitchFamily="34" charset="0"/>
-                <a:cs typeface="Tahoma" panose="020B0604030504040204" pitchFamily="34" charset="0"/>
-              </a:rPr>
-              <a:t>Wireless data transmission and cloud storage</a:t>
-            </a:r>
-          </a:p>
-          <a:p>
-            <a:pPr lvl="2"/>
-            <a:r>
-              <a:rPr lang="en-US" dirty="0">
-                <a:latin typeface="Tahoma" panose="020B0604030504040204" pitchFamily="34" charset="0"/>
-                <a:ea typeface="Tahoma" panose="020B0604030504040204" pitchFamily="34" charset="0"/>
-                <a:cs typeface="Tahoma" panose="020B0604030504040204" pitchFamily="34" charset="0"/>
-              </a:rPr>
-              <a:t>Be able to sent out large packets of data wirelessly</a:t>
-            </a:r>
-          </a:p>
-          <a:p>
-            <a:pPr lvl="1"/>
-            <a:r>
-              <a:rPr lang="en-US" dirty="0">
-                <a:latin typeface="Tahoma" panose="020B0604030504040204" pitchFamily="34" charset="0"/>
-                <a:ea typeface="Tahoma" panose="020B0604030504040204" pitchFamily="34" charset="0"/>
-                <a:cs typeface="Tahoma" panose="020B0604030504040204" pitchFamily="34" charset="0"/>
-              </a:rPr>
-              <a:t>Small form factor, low power device </a:t>
-            </a:r>
-          </a:p>
-        </p:txBody>
-      </p:sp>
-    </p:spTree>
-    <p:extLst>
-      <p:ext uri="{BB962C8B-B14F-4D97-AF65-F5344CB8AC3E}">
-        <p14:creationId xmlns:p14="http://schemas.microsoft.com/office/powerpoint/2010/main" val="1004215711"/>
-      </p:ext>
-    </p:extLst>
-  </p:cSld>
-  <p:clrMapOvr>
-    <a:masterClrMapping/>
-  </p:clrMapOvr>
-</p:sld>
-</file>
-
-<file path=ppt/slides/slide4.xml><?xml version="1.0" encoding="utf-8"?>
-<p:sld xmlns:a="http://schemas.openxmlformats.org/drawingml/2006/main" xmlns:r="http://schemas.openxmlformats.org/officeDocument/2006/relationships" xmlns:p="http://schemas.openxmlformats.org/presentationml/2006/main">
-  <p:cSld>
-    <p:spTree>
-      <p:nvGrpSpPr>
-        <p:cNvPr id="1" name=""/>
-        <p:cNvGrpSpPr/>
-        <p:nvPr/>
-      </p:nvGrpSpPr>
-      <p:grpSpPr>
-        <a:xfrm>
-          <a:off x="0" y="0"/>
-          <a:ext cx="0" cy="0"/>
-          <a:chOff x="0" y="0"/>
-          <a:chExt cx="0" cy="0"/>
-        </a:xfrm>
-      </p:grpSpPr>
-      <p:sp>
-        <p:nvSpPr>
-          <p:cNvPr id="2" name="Title 1">
-            <a:extLst>
-              <a:ext uri="{FF2B5EF4-FFF2-40B4-BE49-F238E27FC236}">
-                <a16:creationId xmlns:a16="http://schemas.microsoft.com/office/drawing/2014/main" id="{A5CF1600-0AE7-4C51-84C8-4C5464AE97BD}"/>
-              </a:ext>
-            </a:extLst>
-          </p:cNvPr>
-          <p:cNvSpPr>
-            <a:spLocks noGrp="1"/>
-          </p:cNvSpPr>
-          <p:nvPr>
-            <p:ph type="title"/>
-          </p:nvPr>
-        </p:nvSpPr>
-        <p:spPr/>
-        <p:txBody>
-          <a:bodyPr/>
-          <a:lstStyle/>
-          <a:p>
-            <a:r>
-              <a:rPr lang="en-US" dirty="0">
-                <a:latin typeface="Tahoma" panose="020B0604030504040204" pitchFamily="34" charset="0"/>
-                <a:ea typeface="Tahoma" panose="020B0604030504040204" pitchFamily="34" charset="0"/>
-                <a:cs typeface="Tahoma" panose="020B0604030504040204" pitchFamily="34" charset="0"/>
-              </a:rPr>
-              <a:t>Solution</a:t>
-            </a:r>
-          </a:p>
-        </p:txBody>
-      </p:sp>
-      <p:sp>
-        <p:nvSpPr>
-          <p:cNvPr id="3" name="Content Placeholder 2">
-            <a:extLst>
-              <a:ext uri="{FF2B5EF4-FFF2-40B4-BE49-F238E27FC236}">
-                <a16:creationId xmlns:a16="http://schemas.microsoft.com/office/drawing/2014/main" id="{FB3F0EEA-C4F2-4BEC-9E5E-A7210C4584BC}"/>
-              </a:ext>
-            </a:extLst>
-          </p:cNvPr>
-          <p:cNvSpPr>
-            <a:spLocks noGrp="1"/>
-          </p:cNvSpPr>
-          <p:nvPr>
-            <p:ph idx="1"/>
-          </p:nvPr>
-        </p:nvSpPr>
-        <p:spPr>
-          <a:xfrm>
-            <a:off x="457200" y="1417638"/>
-            <a:ext cx="8229600" cy="4525963"/>
-          </a:xfrm>
-        </p:spPr>
-        <p:txBody>
-          <a:bodyPr/>
-          <a:lstStyle/>
-          <a:p>
-            <a:r>
-              <a:rPr lang="en-US" dirty="0">
-                <a:latin typeface="Tahoma" panose="020B0604030504040204" pitchFamily="34" charset="0"/>
-                <a:ea typeface="Tahoma" panose="020B0604030504040204" pitchFamily="34" charset="0"/>
-                <a:cs typeface="Tahoma" panose="020B0604030504040204" pitchFamily="34" charset="0"/>
-              </a:rPr>
-              <a:t>FPGA for parallel peripheral interfacing and real time, on-board parallel processing.</a:t>
-            </a:r>
-          </a:p>
-          <a:p>
-            <a:r>
-              <a:rPr lang="en-US" dirty="0">
-                <a:latin typeface="Tahoma" panose="020B0604030504040204" pitchFamily="34" charset="0"/>
-                <a:ea typeface="Tahoma" panose="020B0604030504040204" pitchFamily="34" charset="0"/>
-                <a:cs typeface="Tahoma" panose="020B0604030504040204" pitchFamily="34" charset="0"/>
-              </a:rPr>
-              <a:t>WIFI interface to send raw and processed data out wirelessly.</a:t>
-            </a:r>
-          </a:p>
-          <a:p>
-            <a:r>
-              <a:rPr lang="en-US" dirty="0">
-                <a:latin typeface="Tahoma" panose="020B0604030504040204" pitchFamily="34" charset="0"/>
-                <a:ea typeface="Tahoma" panose="020B0604030504040204" pitchFamily="34" charset="0"/>
-                <a:cs typeface="Tahoma" panose="020B0604030504040204" pitchFamily="34" charset="0"/>
-              </a:rPr>
-              <a:t>Proof of concept server development.</a:t>
-            </a:r>
-          </a:p>
-          <a:p>
-            <a:r>
-              <a:rPr lang="en-US" dirty="0">
-                <a:latin typeface="Tahoma" panose="020B0604030504040204" pitchFamily="34" charset="0"/>
-                <a:ea typeface="Tahoma" panose="020B0604030504040204" pitchFamily="34" charset="0"/>
-                <a:cs typeface="Tahoma" panose="020B0604030504040204" pitchFamily="34" charset="0"/>
-              </a:rPr>
-              <a:t>Implement with front-end pulse oximeter device (desired peripheral expansion)</a:t>
-            </a:r>
-          </a:p>
-        </p:txBody>
-      </p:sp>
-    </p:spTree>
-    <p:extLst>
-      <p:ext uri="{BB962C8B-B14F-4D97-AF65-F5344CB8AC3E}">
-        <p14:creationId xmlns:p14="http://schemas.microsoft.com/office/powerpoint/2010/main" val="134706558"/>
-      </p:ext>
-    </p:extLst>
-  </p:cSld>
-  <p:clrMapOvr>
-    <a:masterClrMapping/>
-  </p:clrMapOvr>
-</p:sld>
-</file>
-
-<file path=ppt/slides/slide5.xml><?xml version="1.0" encoding="utf-8"?>
 <p:sld xmlns:a="http://schemas.openxmlformats.org/drawingml/2006/main" xmlns:r="http://schemas.openxmlformats.org/officeDocument/2006/relationships" xmlns:p="http://schemas.openxmlformats.org/presentationml/2006/main">
   <p:cSld>
     <p:spTree>
@@ -12456,6 +12214,306 @@
     <p:extLst>
       <p:ext uri="{BB962C8B-B14F-4D97-AF65-F5344CB8AC3E}">
         <p14:creationId xmlns:p14="http://schemas.microsoft.com/office/powerpoint/2010/main" val="2261483881"/>
+      </p:ext>
+    </p:extLst>
+  </p:cSld>
+  <p:clrMapOvr>
+    <a:masterClrMapping/>
+  </p:clrMapOvr>
+</p:sld>
+</file>
+
+<file path=ppt/slides/slide4.xml><?xml version="1.0" encoding="utf-8"?>
+<p:sld xmlns:a="http://schemas.openxmlformats.org/drawingml/2006/main" xmlns:r="http://schemas.openxmlformats.org/officeDocument/2006/relationships" xmlns:p="http://schemas.openxmlformats.org/presentationml/2006/main">
+  <p:cSld>
+    <p:spTree>
+      <p:nvGrpSpPr>
+        <p:cNvPr id="1" name=""/>
+        <p:cNvGrpSpPr/>
+        <p:nvPr/>
+      </p:nvGrpSpPr>
+      <p:grpSpPr>
+        <a:xfrm>
+          <a:off x="0" y="0"/>
+          <a:ext cx="0" cy="0"/>
+          <a:chOff x="0" y="0"/>
+          <a:chExt cx="0" cy="0"/>
+        </a:xfrm>
+      </p:grpSpPr>
+      <p:sp>
+        <p:nvSpPr>
+          <p:cNvPr id="2" name="Title 1">
+            <a:extLst>
+              <a:ext uri="{FF2B5EF4-FFF2-40B4-BE49-F238E27FC236}">
+                <a16:creationId xmlns:a16="http://schemas.microsoft.com/office/drawing/2014/main" id="{09D0C395-4A0A-43C7-98EE-F64AE95E56ED}"/>
+              </a:ext>
+            </a:extLst>
+          </p:cNvPr>
+          <p:cNvSpPr>
+            <a:spLocks noGrp="1"/>
+          </p:cNvSpPr>
+          <p:nvPr>
+            <p:ph type="title"/>
+          </p:nvPr>
+        </p:nvSpPr>
+        <p:spPr/>
+        <p:txBody>
+          <a:bodyPr/>
+          <a:lstStyle/>
+          <a:p>
+            <a:r>
+              <a:rPr lang="en-US" dirty="0">
+                <a:latin typeface="Tahoma" panose="020B0604030504040204" pitchFamily="34" charset="0"/>
+                <a:ea typeface="Tahoma" panose="020B0604030504040204" pitchFamily="34" charset="0"/>
+                <a:cs typeface="Tahoma" panose="020B0604030504040204" pitchFamily="34" charset="0"/>
+              </a:rPr>
+              <a:t>Problem</a:t>
+            </a:r>
+          </a:p>
+        </p:txBody>
+      </p:sp>
+      <p:sp>
+        <p:nvSpPr>
+          <p:cNvPr id="3" name="Content Placeholder 2">
+            <a:extLst>
+              <a:ext uri="{FF2B5EF4-FFF2-40B4-BE49-F238E27FC236}">
+                <a16:creationId xmlns:a16="http://schemas.microsoft.com/office/drawing/2014/main" id="{1E306186-CE37-4B79-93DA-80A080F9F223}"/>
+              </a:ext>
+            </a:extLst>
+          </p:cNvPr>
+          <p:cNvSpPr>
+            <a:spLocks noGrp="1"/>
+          </p:cNvSpPr>
+          <p:nvPr>
+            <p:ph idx="1"/>
+          </p:nvPr>
+        </p:nvSpPr>
+        <p:spPr/>
+        <p:txBody>
+          <a:bodyPr/>
+          <a:lstStyle/>
+          <a:p>
+            <a:r>
+              <a:rPr lang="en-US" dirty="0">
+                <a:latin typeface="Tahoma" panose="020B0604030504040204" pitchFamily="34" charset="0"/>
+                <a:ea typeface="Tahoma" panose="020B0604030504040204" pitchFamily="34" charset="0"/>
+                <a:cs typeface="Tahoma" panose="020B0604030504040204" pitchFamily="34" charset="0"/>
+              </a:rPr>
+              <a:t>Neural Engineering Group wants…</a:t>
+            </a:r>
+          </a:p>
+          <a:p>
+            <a:pPr lvl="1"/>
+            <a:r>
+              <a:rPr lang="en-US" dirty="0">
+                <a:latin typeface="Tahoma" panose="020B0604030504040204" pitchFamily="34" charset="0"/>
+                <a:ea typeface="Tahoma" panose="020B0604030504040204" pitchFamily="34" charset="0"/>
+                <a:cs typeface="Tahoma" panose="020B0604030504040204" pitchFamily="34" charset="0"/>
+              </a:rPr>
+              <a:t>Increase # of peripherals</a:t>
+            </a:r>
+          </a:p>
+          <a:p>
+            <a:pPr lvl="2"/>
+            <a:r>
+              <a:rPr lang="en-US" dirty="0">
+                <a:latin typeface="Tahoma" panose="020B0604030504040204" pitchFamily="34" charset="0"/>
+                <a:ea typeface="Tahoma" panose="020B0604030504040204" pitchFamily="34" charset="0"/>
+                <a:cs typeface="Tahoma" panose="020B0604030504040204" pitchFamily="34" charset="0"/>
+              </a:rPr>
+              <a:t>Be able to interface in parallel</a:t>
+            </a:r>
+          </a:p>
+          <a:p>
+            <a:pPr lvl="1"/>
+            <a:r>
+              <a:rPr lang="en-US" dirty="0">
+                <a:latin typeface="Tahoma" panose="020B0604030504040204" pitchFamily="34" charset="0"/>
+                <a:ea typeface="Tahoma" panose="020B0604030504040204" pitchFamily="34" charset="0"/>
+                <a:cs typeface="Tahoma" panose="020B0604030504040204" pitchFamily="34" charset="0"/>
+              </a:rPr>
+              <a:t>Real time processing on board</a:t>
+            </a:r>
+          </a:p>
+          <a:p>
+            <a:pPr lvl="2"/>
+            <a:r>
+              <a:rPr lang="en-US" dirty="0">
+                <a:latin typeface="Tahoma" panose="020B0604030504040204" pitchFamily="34" charset="0"/>
+                <a:ea typeface="Tahoma" panose="020B0604030504040204" pitchFamily="34" charset="0"/>
+                <a:cs typeface="Tahoma" panose="020B0604030504040204" pitchFamily="34" charset="0"/>
+              </a:rPr>
+              <a:t>Be able to process multiple algorithms in parallel</a:t>
+            </a:r>
+          </a:p>
+          <a:p>
+            <a:pPr lvl="1"/>
+            <a:r>
+              <a:rPr lang="en-US" dirty="0">
+                <a:latin typeface="Tahoma" panose="020B0604030504040204" pitchFamily="34" charset="0"/>
+                <a:ea typeface="Tahoma" panose="020B0604030504040204" pitchFamily="34" charset="0"/>
+                <a:cs typeface="Tahoma" panose="020B0604030504040204" pitchFamily="34" charset="0"/>
+              </a:rPr>
+              <a:t>Wireless data transmission and cloud storage</a:t>
+            </a:r>
+          </a:p>
+          <a:p>
+            <a:pPr lvl="2"/>
+            <a:r>
+              <a:rPr lang="en-US" dirty="0">
+                <a:latin typeface="Tahoma" panose="020B0604030504040204" pitchFamily="34" charset="0"/>
+                <a:ea typeface="Tahoma" panose="020B0604030504040204" pitchFamily="34" charset="0"/>
+                <a:cs typeface="Tahoma" panose="020B0604030504040204" pitchFamily="34" charset="0"/>
+              </a:rPr>
+              <a:t>Be able to sent out large packets of data wirelessly</a:t>
+            </a:r>
+          </a:p>
+          <a:p>
+            <a:pPr lvl="1"/>
+            <a:r>
+              <a:rPr lang="en-US" dirty="0">
+                <a:latin typeface="Tahoma" panose="020B0604030504040204" pitchFamily="34" charset="0"/>
+                <a:ea typeface="Tahoma" panose="020B0604030504040204" pitchFamily="34" charset="0"/>
+                <a:cs typeface="Tahoma" panose="020B0604030504040204" pitchFamily="34" charset="0"/>
+              </a:rPr>
+              <a:t>Small form factor, low power device </a:t>
+            </a:r>
+          </a:p>
+        </p:txBody>
+      </p:sp>
+    </p:spTree>
+    <p:extLst>
+      <p:ext uri="{BB962C8B-B14F-4D97-AF65-F5344CB8AC3E}">
+        <p14:creationId xmlns:p14="http://schemas.microsoft.com/office/powerpoint/2010/main" val="1004215711"/>
+      </p:ext>
+    </p:extLst>
+  </p:cSld>
+  <p:clrMapOvr>
+    <a:masterClrMapping/>
+  </p:clrMapOvr>
+</p:sld>
+</file>
+
+<file path=ppt/slides/slide5.xml><?xml version="1.0" encoding="utf-8"?>
+<p:sld xmlns:a="http://schemas.openxmlformats.org/drawingml/2006/main" xmlns:r="http://schemas.openxmlformats.org/officeDocument/2006/relationships" xmlns:p="http://schemas.openxmlformats.org/presentationml/2006/main">
+  <p:cSld>
+    <p:spTree>
+      <p:nvGrpSpPr>
+        <p:cNvPr id="1" name=""/>
+        <p:cNvGrpSpPr/>
+        <p:nvPr/>
+      </p:nvGrpSpPr>
+      <p:grpSpPr>
+        <a:xfrm>
+          <a:off x="0" y="0"/>
+          <a:ext cx="0" cy="0"/>
+          <a:chOff x="0" y="0"/>
+          <a:chExt cx="0" cy="0"/>
+        </a:xfrm>
+      </p:grpSpPr>
+      <p:sp>
+        <p:nvSpPr>
+          <p:cNvPr id="2" name="Title 1">
+            <a:extLst>
+              <a:ext uri="{FF2B5EF4-FFF2-40B4-BE49-F238E27FC236}">
+                <a16:creationId xmlns:a16="http://schemas.microsoft.com/office/drawing/2014/main" id="{A5CF1600-0AE7-4C51-84C8-4C5464AE97BD}"/>
+              </a:ext>
+            </a:extLst>
+          </p:cNvPr>
+          <p:cNvSpPr>
+            <a:spLocks noGrp="1"/>
+          </p:cNvSpPr>
+          <p:nvPr>
+            <p:ph type="title"/>
+          </p:nvPr>
+        </p:nvSpPr>
+        <p:spPr/>
+        <p:txBody>
+          <a:bodyPr/>
+          <a:lstStyle/>
+          <a:p>
+            <a:r>
+              <a:rPr lang="en-US" dirty="0">
+                <a:latin typeface="Tahoma" panose="020B0604030504040204" pitchFamily="34" charset="0"/>
+                <a:ea typeface="Tahoma" panose="020B0604030504040204" pitchFamily="34" charset="0"/>
+                <a:cs typeface="Tahoma" panose="020B0604030504040204" pitchFamily="34" charset="0"/>
+              </a:rPr>
+              <a:t>Solution</a:t>
+            </a:r>
+          </a:p>
+        </p:txBody>
+      </p:sp>
+      <p:sp>
+        <p:nvSpPr>
+          <p:cNvPr id="3" name="Content Placeholder 2">
+            <a:extLst>
+              <a:ext uri="{FF2B5EF4-FFF2-40B4-BE49-F238E27FC236}">
+                <a16:creationId xmlns:a16="http://schemas.microsoft.com/office/drawing/2014/main" id="{FB3F0EEA-C4F2-4BEC-9E5E-A7210C4584BC}"/>
+              </a:ext>
+            </a:extLst>
+          </p:cNvPr>
+          <p:cNvSpPr>
+            <a:spLocks noGrp="1"/>
+          </p:cNvSpPr>
+          <p:nvPr>
+            <p:ph idx="1"/>
+          </p:nvPr>
+        </p:nvSpPr>
+        <p:spPr>
+          <a:xfrm>
+            <a:off x="457200" y="1417638"/>
+            <a:ext cx="8229600" cy="4525963"/>
+          </a:xfrm>
+        </p:spPr>
+        <p:txBody>
+          <a:bodyPr/>
+          <a:lstStyle/>
+          <a:p>
+            <a:r>
+              <a:rPr lang="en-US" dirty="0">
+                <a:latin typeface="Tahoma" panose="020B0604030504040204" pitchFamily="34" charset="0"/>
+                <a:ea typeface="Tahoma" panose="020B0604030504040204" pitchFamily="34" charset="0"/>
+                <a:cs typeface="Tahoma" panose="020B0604030504040204" pitchFamily="34" charset="0"/>
+              </a:rPr>
+              <a:t>FPGA for parallel peripheral interfacing and real time, on-board parallel processing.</a:t>
+            </a:r>
+          </a:p>
+          <a:p>
+            <a:r>
+              <a:rPr lang="en-US" dirty="0">
+                <a:latin typeface="Tahoma" panose="020B0604030504040204" pitchFamily="34" charset="0"/>
+                <a:ea typeface="Tahoma" panose="020B0604030504040204" pitchFamily="34" charset="0"/>
+                <a:cs typeface="Tahoma" panose="020B0604030504040204" pitchFamily="34" charset="0"/>
+              </a:rPr>
+              <a:t>WIFI interface to send raw and processed data out wirelessly.</a:t>
+            </a:r>
+          </a:p>
+          <a:p>
+            <a:r>
+              <a:rPr lang="en-US" dirty="0">
+                <a:latin typeface="Tahoma" panose="020B0604030504040204" pitchFamily="34" charset="0"/>
+                <a:ea typeface="Tahoma" panose="020B0604030504040204" pitchFamily="34" charset="0"/>
+                <a:cs typeface="Tahoma" panose="020B0604030504040204" pitchFamily="34" charset="0"/>
+              </a:rPr>
+              <a:t>Proof of concept server development.</a:t>
+            </a:r>
+          </a:p>
+          <a:p>
+            <a:r>
+              <a:rPr lang="en-US" dirty="0">
+                <a:latin typeface="Tahoma" panose="020B0604030504040204" pitchFamily="34" charset="0"/>
+                <a:ea typeface="Tahoma" panose="020B0604030504040204" pitchFamily="34" charset="0"/>
+                <a:cs typeface="Tahoma" panose="020B0604030504040204" pitchFamily="34" charset="0"/>
+              </a:rPr>
+              <a:t>Implement with front-end pulse oximeter device (desired peripheral expansion)</a:t>
+            </a:r>
+          </a:p>
+        </p:txBody>
+      </p:sp>
+    </p:spTree>
+    <p:extLst>
+      <p:ext uri="{BB962C8B-B14F-4D97-AF65-F5344CB8AC3E}">
+        <p14:creationId xmlns:p14="http://schemas.microsoft.com/office/powerpoint/2010/main" val="134706558"/>
       </p:ext>
     </p:extLst>
   </p:cSld>
@@ -14554,7 +14612,12 @@
             <p:ph type="title"/>
           </p:nvPr>
         </p:nvSpPr>
-        <p:spPr/>
+        <p:spPr>
+          <a:xfrm>
+            <a:off x="457200" y="164373"/>
+            <a:ext cx="8229600" cy="1143000"/>
+          </a:xfrm>
+        </p:spPr>
         <p:txBody>
           <a:bodyPr/>
           <a:lstStyle/>
@@ -14601,8 +14664,8 @@
         </p:blipFill>
         <p:spPr bwMode="auto">
           <a:xfrm>
-            <a:off x="1821656" y="1600200"/>
-            <a:ext cx="5500688" cy="2849562"/>
+            <a:off x="2362200" y="2473828"/>
+            <a:ext cx="4657725" cy="2479172"/>
           </a:xfrm>
           <a:prstGeom prst="rect">
             <a:avLst/>
@@ -14635,12 +14698,51 @@
         </p:blipFill>
         <p:spPr>
           <a:xfrm>
-            <a:off x="990600" y="4632324"/>
+            <a:off x="1066800" y="4806738"/>
             <a:ext cx="7391400" cy="1027696"/>
           </a:xfrm>
           <a:prstGeom prst="rect">
             <a:avLst/>
           </a:prstGeom>
+        </p:spPr>
+      </p:pic>
+      <p:pic>
+        <p:nvPicPr>
+          <p:cNvPr id="9" name="Picture 8">
+            <a:extLst>
+              <a:ext uri="{FF2B5EF4-FFF2-40B4-BE49-F238E27FC236}">
+                <a16:creationId xmlns:a16="http://schemas.microsoft.com/office/drawing/2014/main" id="{0F24EE0A-5449-4C03-B4A5-7C42F6DD33EC}"/>
+              </a:ext>
+            </a:extLst>
+          </p:cNvPr>
+          <p:cNvPicPr/>
+          <p:nvPr/>
+        </p:nvPicPr>
+        <p:blipFill>
+          <a:blip r:embed="rId4">
+            <a:extLst>
+              <a:ext uri="{28A0092B-C50C-407E-A947-70E740481C1C}">
+                <a14:useLocalDpi xmlns:a14="http://schemas.microsoft.com/office/drawing/2010/main" val="0"/>
+              </a:ext>
+            </a:extLst>
+          </a:blip>
+          <a:srcRect/>
+          <a:stretch>
+            <a:fillRect/>
+          </a:stretch>
+        </p:blipFill>
+        <p:spPr bwMode="auto">
+          <a:xfrm>
+            <a:off x="2362200" y="911728"/>
+            <a:ext cx="4657725" cy="1562100"/>
+          </a:xfrm>
+          <a:prstGeom prst="rect">
+            <a:avLst/>
+          </a:prstGeom>
+          <a:noFill/>
+          <a:ln>
+            <a:noFill/>
+          </a:ln>
         </p:spPr>
       </p:pic>
     </p:spTree>
